--- a/Java_Slides.pptx
+++ b/Java_Slides.pptx
@@ -9,9 +9,16 @@
     <p:sldId id="257" r:id="rId3"/>
     <p:sldId id="258" r:id="rId4"/>
     <p:sldId id="259" r:id="rId5"/>
-    <p:sldId id="260" r:id="rId6"/>
-    <p:sldId id="261" r:id="rId7"/>
-    <p:sldId id="262" r:id="rId8"/>
+    <p:sldId id="263" r:id="rId6"/>
+    <p:sldId id="264" r:id="rId7"/>
+    <p:sldId id="265" r:id="rId8"/>
+    <p:sldId id="266" r:id="rId9"/>
+    <p:sldId id="268" r:id="rId10"/>
+    <p:sldId id="267" r:id="rId11"/>
+    <p:sldId id="269" r:id="rId12"/>
+    <p:sldId id="260" r:id="rId13"/>
+    <p:sldId id="261" r:id="rId14"/>
+    <p:sldId id="262" r:id="rId15"/>
   </p:sldIdLst>
   <p:sldSz cx="9144000" cy="6858000" type="screen4x3"/>
   <p:notesSz cx="6858000" cy="9144000"/>
@@ -497,7 +504,7 @@
           <a:p>
             <a:fld id="{AA309A6D-C09C-4548-B29A-6CF363A7E532}" type="datetimeFigureOut">
               <a:rPr lang="fr-FR" smtClean="0"/>
-              <a:t>30/12/2014</a:t>
+              <a:t>09/01/2015</a:t>
             </a:fld>
             <a:endParaRPr lang="fr-BE"/>
           </a:p>
@@ -662,7 +669,7 @@
           <a:p>
             <a:fld id="{AA309A6D-C09C-4548-B29A-6CF363A7E532}" type="datetimeFigureOut">
               <a:rPr lang="fr-FR" smtClean="0"/>
-              <a:t>30/12/2014</a:t>
+              <a:t>09/01/2015</a:t>
             </a:fld>
             <a:endParaRPr lang="fr-BE"/>
           </a:p>
@@ -837,7 +844,7 @@
           <a:p>
             <a:fld id="{AA309A6D-C09C-4548-B29A-6CF363A7E532}" type="datetimeFigureOut">
               <a:rPr lang="fr-FR" smtClean="0"/>
-              <a:t>30/12/2014</a:t>
+              <a:t>09/01/2015</a:t>
             </a:fld>
             <a:endParaRPr lang="fr-BE"/>
           </a:p>
@@ -1006,7 +1013,7 @@
           <a:p>
             <a:fld id="{AA309A6D-C09C-4548-B29A-6CF363A7E532}" type="datetimeFigureOut">
               <a:rPr lang="fr-FR" smtClean="0"/>
-              <a:t>30/12/2014</a:t>
+              <a:t>09/01/2015</a:t>
             </a:fld>
             <a:endParaRPr lang="fr-BE"/>
           </a:p>
@@ -1461,7 +1468,7 @@
           <a:p>
             <a:fld id="{AA309A6D-C09C-4548-B29A-6CF363A7E532}" type="datetimeFigureOut">
               <a:rPr lang="fr-FR" smtClean="0"/>
-              <a:t>30/12/2014</a:t>
+              <a:t>09/01/2015</a:t>
             </a:fld>
             <a:endParaRPr lang="fr-BE"/>
           </a:p>
@@ -1725,7 +1732,7 @@
           <a:p>
             <a:fld id="{AA309A6D-C09C-4548-B29A-6CF363A7E532}" type="datetimeFigureOut">
               <a:rPr lang="fr-FR" smtClean="0"/>
-              <a:t>30/12/2014</a:t>
+              <a:t>09/01/2015</a:t>
             </a:fld>
             <a:endParaRPr lang="fr-BE"/>
           </a:p>
@@ -2099,7 +2106,7 @@
           <a:p>
             <a:fld id="{AA309A6D-C09C-4548-B29A-6CF363A7E532}" type="datetimeFigureOut">
               <a:rPr lang="fr-FR" smtClean="0"/>
-              <a:t>30/12/2014</a:t>
+              <a:t>09/01/2015</a:t>
             </a:fld>
             <a:endParaRPr lang="fr-BE"/>
           </a:p>
@@ -2221,7 +2228,7 @@
           <a:p>
             <a:fld id="{AA309A6D-C09C-4548-B29A-6CF363A7E532}" type="datetimeFigureOut">
               <a:rPr lang="fr-FR" smtClean="0"/>
-              <a:t>30/12/2014</a:t>
+              <a:t>09/01/2015</a:t>
             </a:fld>
             <a:endParaRPr lang="fr-BE"/>
           </a:p>
@@ -2311,7 +2318,7 @@
           <a:p>
             <a:fld id="{AA309A6D-C09C-4548-B29A-6CF363A7E532}" type="datetimeFigureOut">
               <a:rPr lang="fr-FR" smtClean="0"/>
-              <a:t>30/12/2014</a:t>
+              <a:t>09/01/2015</a:t>
             </a:fld>
             <a:endParaRPr lang="fr-BE"/>
           </a:p>
@@ -2560,7 +2567,7 @@
           <a:p>
             <a:fld id="{AA309A6D-C09C-4548-B29A-6CF363A7E532}" type="datetimeFigureOut">
               <a:rPr lang="fr-FR" smtClean="0"/>
-              <a:t>30/12/2014</a:t>
+              <a:t>09/01/2015</a:t>
             </a:fld>
             <a:endParaRPr lang="fr-BE"/>
           </a:p>
@@ -2819,7 +2826,7 @@
           <a:p>
             <a:fld id="{AA309A6D-C09C-4548-B29A-6CF363A7E532}" type="datetimeFigureOut">
               <a:rPr lang="fr-FR" smtClean="0"/>
-              <a:t>30/12/2014</a:t>
+              <a:t>09/01/2015</a:t>
             </a:fld>
             <a:endParaRPr lang="fr-BE"/>
           </a:p>
@@ -3223,7 +3230,7 @@
           <a:p>
             <a:fld id="{AA309A6D-C09C-4548-B29A-6CF363A7E532}" type="datetimeFigureOut">
               <a:rPr lang="fr-FR" smtClean="0"/>
-              <a:t>30/12/2014</a:t>
+              <a:t>09/01/2015</a:t>
             </a:fld>
             <a:endParaRPr lang="fr-BE"/>
           </a:p>
@@ -3736,6 +3743,789 @@
 </p:sld>
 </file>
 
+<file path=ppt/slides/slide10.xml><?xml version="1.0" encoding="utf-8"?>
+<p:sld xmlns:a="http://schemas.openxmlformats.org/drawingml/2006/main" xmlns:r="http://schemas.openxmlformats.org/officeDocument/2006/relationships" xmlns:p="http://schemas.openxmlformats.org/presentationml/2006/main">
+  <p:cSld>
+    <p:spTree>
+      <p:nvGrpSpPr>
+        <p:cNvPr id="1" name=""/>
+        <p:cNvGrpSpPr/>
+        <p:nvPr/>
+      </p:nvGrpSpPr>
+      <p:grpSpPr>
+        <a:xfrm>
+          <a:off x="0" y="0"/>
+          <a:ext cx="0" cy="0"/>
+          <a:chOff x="0" y="0"/>
+          <a:chExt cx="0" cy="0"/>
+        </a:xfrm>
+      </p:grpSpPr>
+      <p:sp>
+        <p:nvSpPr>
+          <p:cNvPr id="2" name="Titre 1"/>
+          <p:cNvSpPr txBox="1">
+            <a:spLocks/>
+          </p:cNvSpPr>
+          <p:nvPr/>
+        </p:nvSpPr>
+        <p:spPr>
+          <a:xfrm>
+            <a:off x="457200" y="274638"/>
+            <a:ext cx="8147248" cy="1143000"/>
+          </a:xfrm>
+          <a:prstGeom prst="rect">
+            <a:avLst/>
+          </a:prstGeom>
+        </p:spPr>
+        <p:txBody>
+          <a:bodyPr>
+            <a:normAutofit fontScale="90000"/>
+          </a:bodyPr>
+          <a:lstStyle>
+            <a:lvl1pPr algn="l" rtl="0" eaLnBrk="1" latinLnBrk="0" hangingPunct="1">
+              <a:spcBef>
+                <a:spcPct val="0"/>
+              </a:spcBef>
+              <a:buNone/>
+              <a:defRPr kumimoji="0" sz="4600" kern="1200">
+                <a:solidFill>
+                  <a:schemeClr val="tx1"/>
+                </a:solidFill>
+                <a:latin typeface="+mj-lt"/>
+                <a:ea typeface="+mj-ea"/>
+                <a:cs typeface="+mj-cs"/>
+              </a:defRPr>
+            </a:lvl1pPr>
+          </a:lstStyle>
+          <a:p>
+            <a:r>
+              <a:rPr lang="fr-FR" smtClean="0"/>
+              <a:t>Création d'un interface graphique</a:t>
+            </a:r>
+            <a:endParaRPr lang="fr-FR" dirty="0"/>
+          </a:p>
+        </p:txBody>
+      </p:sp>
+      <p:sp>
+        <p:nvSpPr>
+          <p:cNvPr id="4" name="ZoneTexte 3"/>
+          <p:cNvSpPr txBox="1"/>
+          <p:nvPr/>
+        </p:nvSpPr>
+        <p:spPr>
+          <a:xfrm>
+            <a:off x="899592" y="1196752"/>
+            <a:ext cx="7560840" cy="369332"/>
+          </a:xfrm>
+          <a:prstGeom prst="rect">
+            <a:avLst/>
+          </a:prstGeom>
+          <a:noFill/>
+        </p:spPr>
+        <p:txBody>
+          <a:bodyPr wrap="square" rtlCol="0">
+            <a:spAutoFit/>
+          </a:bodyPr>
+          <a:lstStyle/>
+          <a:p>
+            <a:pPr marL="285750" indent="-285750">
+              <a:buFont typeface="Arial" panose="020B0604020202020204" pitchFamily="34" charset="0"/>
+              <a:buChar char="•"/>
+            </a:pPr>
+            <a:r>
+              <a:rPr lang="fr-FR" dirty="0" smtClean="0"/>
+              <a:t>Evolution avec des onglets : Les Trends et les sauvegardes</a:t>
+            </a:r>
+            <a:endParaRPr lang="fr-FR" dirty="0"/>
+          </a:p>
+        </p:txBody>
+      </p:sp>
+      <p:pic>
+        <p:nvPicPr>
+          <p:cNvPr id="5" name="Image 4"/>
+          <p:cNvPicPr>
+            <a:picLocks noChangeAspect="1"/>
+          </p:cNvPicPr>
+          <p:nvPr/>
+        </p:nvPicPr>
+        <p:blipFill>
+          <a:blip r:embed="rId2">
+            <a:extLst>
+              <a:ext uri="{28A0092B-C50C-407E-A947-70E740481C1C}">
+                <a14:useLocalDpi xmlns:a14="http://schemas.microsoft.com/office/drawing/2010/main" val="0"/>
+              </a:ext>
+            </a:extLst>
+          </a:blip>
+          <a:stretch>
+            <a:fillRect/>
+          </a:stretch>
+        </p:blipFill>
+        <p:spPr>
+          <a:xfrm>
+            <a:off x="983224" y="1760595"/>
+            <a:ext cx="7405200" cy="4813380"/>
+          </a:xfrm>
+          <a:prstGeom prst="rect">
+            <a:avLst/>
+          </a:prstGeom>
+        </p:spPr>
+      </p:pic>
+      <p:sp>
+        <p:nvSpPr>
+          <p:cNvPr id="12" name="Rectangle 11"/>
+          <p:cNvSpPr/>
+          <p:nvPr/>
+        </p:nvSpPr>
+        <p:spPr>
+          <a:xfrm>
+            <a:off x="1331640" y="3861048"/>
+            <a:ext cx="1296144" cy="576064"/>
+          </a:xfrm>
+          <a:prstGeom prst="rect">
+            <a:avLst/>
+          </a:prstGeom>
+          <a:solidFill>
+            <a:schemeClr val="tx1"/>
+          </a:solidFill>
+        </p:spPr>
+        <p:style>
+          <a:lnRef idx="2">
+            <a:schemeClr val="accent1">
+              <a:shade val="50000"/>
+            </a:schemeClr>
+          </a:lnRef>
+          <a:fillRef idx="1">
+            <a:schemeClr val="accent1"/>
+          </a:fillRef>
+          <a:effectRef idx="0">
+            <a:schemeClr val="accent1"/>
+          </a:effectRef>
+          <a:fontRef idx="minor">
+            <a:schemeClr val="lt1"/>
+          </a:fontRef>
+        </p:style>
+        <p:txBody>
+          <a:bodyPr rtlCol="0" anchor="ctr"/>
+          <a:lstStyle/>
+          <a:p>
+            <a:pPr algn="ctr"/>
+            <a:r>
+              <a:rPr lang="fr-FR" dirty="0" smtClean="0">
+                <a:solidFill>
+                  <a:schemeClr val="bg1">
+                    <a:lumMod val="95000"/>
+                    <a:lumOff val="5000"/>
+                  </a:schemeClr>
+                </a:solidFill>
+              </a:rPr>
+              <a:t>Fichiers sauvés</a:t>
+            </a:r>
+            <a:endParaRPr lang="fr-FR" dirty="0">
+              <a:solidFill>
+                <a:schemeClr val="bg1">
+                  <a:lumMod val="95000"/>
+                  <a:lumOff val="5000"/>
+                </a:schemeClr>
+              </a:solidFill>
+            </a:endParaRPr>
+          </a:p>
+        </p:txBody>
+      </p:sp>
+      <p:sp>
+        <p:nvSpPr>
+          <p:cNvPr id="13" name="Rectangle 12"/>
+          <p:cNvSpPr/>
+          <p:nvPr/>
+        </p:nvSpPr>
+        <p:spPr>
+          <a:xfrm>
+            <a:off x="7272934" y="4345962"/>
+            <a:ext cx="1598083" cy="710259"/>
+          </a:xfrm>
+          <a:prstGeom prst="rect">
+            <a:avLst/>
+          </a:prstGeom>
+          <a:solidFill>
+            <a:schemeClr val="tx1"/>
+          </a:solidFill>
+        </p:spPr>
+        <p:style>
+          <a:lnRef idx="2">
+            <a:schemeClr val="accent1">
+              <a:shade val="50000"/>
+            </a:schemeClr>
+          </a:lnRef>
+          <a:fillRef idx="1">
+            <a:schemeClr val="accent1"/>
+          </a:fillRef>
+          <a:effectRef idx="0">
+            <a:schemeClr val="accent1"/>
+          </a:effectRef>
+          <a:fontRef idx="minor">
+            <a:schemeClr val="lt1"/>
+          </a:fontRef>
+        </p:style>
+        <p:txBody>
+          <a:bodyPr rtlCol="0" anchor="ctr"/>
+          <a:lstStyle/>
+          <a:p>
+            <a:pPr algn="ctr"/>
+            <a:r>
+              <a:rPr lang="fr-FR" dirty="0" smtClean="0">
+                <a:solidFill>
+                  <a:schemeClr val="bg1">
+                    <a:lumMod val="95000"/>
+                    <a:lumOff val="5000"/>
+                  </a:schemeClr>
+                </a:solidFill>
+              </a:rPr>
+              <a:t>Option suppression</a:t>
+            </a:r>
+            <a:endParaRPr lang="fr-FR" dirty="0">
+              <a:solidFill>
+                <a:schemeClr val="bg1">
+                  <a:lumMod val="95000"/>
+                  <a:lumOff val="5000"/>
+                </a:schemeClr>
+              </a:solidFill>
+            </a:endParaRPr>
+          </a:p>
+        </p:txBody>
+      </p:sp>
+    </p:spTree>
+    <p:extLst>
+      <p:ext uri="{BB962C8B-B14F-4D97-AF65-F5344CB8AC3E}">
+        <p14:creationId xmlns:p14="http://schemas.microsoft.com/office/powerpoint/2010/main" val="905411117"/>
+      </p:ext>
+    </p:extLst>
+  </p:cSld>
+  <p:clrMapOvr>
+    <a:masterClrMapping/>
+  </p:clrMapOvr>
+  <p:timing>
+    <p:tnLst>
+      <p:par>
+        <p:cTn id="1" dur="indefinite" restart="never" nodeType="tmRoot"/>
+      </p:par>
+    </p:tnLst>
+  </p:timing>
+</p:sld>
+</file>
+
+<file path=ppt/slides/slide11.xml><?xml version="1.0" encoding="utf-8"?>
+<p:sld xmlns:a="http://schemas.openxmlformats.org/drawingml/2006/main" xmlns:r="http://schemas.openxmlformats.org/officeDocument/2006/relationships" xmlns:p="http://schemas.openxmlformats.org/presentationml/2006/main">
+  <p:cSld>
+    <p:spTree>
+      <p:nvGrpSpPr>
+        <p:cNvPr id="1" name=""/>
+        <p:cNvGrpSpPr/>
+        <p:nvPr/>
+      </p:nvGrpSpPr>
+      <p:grpSpPr>
+        <a:xfrm>
+          <a:off x="0" y="0"/>
+          <a:ext cx="0" cy="0"/>
+          <a:chOff x="0" y="0"/>
+          <a:chExt cx="0" cy="0"/>
+        </a:xfrm>
+      </p:grpSpPr>
+      <p:sp>
+        <p:nvSpPr>
+          <p:cNvPr id="2" name="Titre 1"/>
+          <p:cNvSpPr txBox="1">
+            <a:spLocks/>
+          </p:cNvSpPr>
+          <p:nvPr/>
+        </p:nvSpPr>
+        <p:spPr>
+          <a:xfrm>
+            <a:off x="457200" y="274638"/>
+            <a:ext cx="8147248" cy="1143000"/>
+          </a:xfrm>
+          <a:prstGeom prst="rect">
+            <a:avLst/>
+          </a:prstGeom>
+        </p:spPr>
+        <p:txBody>
+          <a:bodyPr>
+            <a:normAutofit fontScale="90000"/>
+          </a:bodyPr>
+          <a:lstStyle>
+            <a:lvl1pPr algn="l" rtl="0" eaLnBrk="1" latinLnBrk="0" hangingPunct="1">
+              <a:spcBef>
+                <a:spcPct val="0"/>
+              </a:spcBef>
+              <a:buNone/>
+              <a:defRPr kumimoji="0" sz="4600" kern="1200">
+                <a:solidFill>
+                  <a:schemeClr val="tx1"/>
+                </a:solidFill>
+                <a:latin typeface="+mj-lt"/>
+                <a:ea typeface="+mj-ea"/>
+                <a:cs typeface="+mj-cs"/>
+              </a:defRPr>
+            </a:lvl1pPr>
+          </a:lstStyle>
+          <a:p>
+            <a:r>
+              <a:rPr lang="fr-FR" smtClean="0"/>
+              <a:t>Création d'un interface graphique</a:t>
+            </a:r>
+            <a:endParaRPr lang="fr-FR" dirty="0"/>
+          </a:p>
+        </p:txBody>
+      </p:sp>
+      <p:sp>
+        <p:nvSpPr>
+          <p:cNvPr id="4" name="ZoneTexte 3"/>
+          <p:cNvSpPr txBox="1"/>
+          <p:nvPr/>
+        </p:nvSpPr>
+        <p:spPr>
+          <a:xfrm>
+            <a:off x="899592" y="1196752"/>
+            <a:ext cx="7560840" cy="369332"/>
+          </a:xfrm>
+          <a:prstGeom prst="rect">
+            <a:avLst/>
+          </a:prstGeom>
+          <a:noFill/>
+        </p:spPr>
+        <p:txBody>
+          <a:bodyPr wrap="square" rtlCol="0">
+            <a:spAutoFit/>
+          </a:bodyPr>
+          <a:lstStyle/>
+          <a:p>
+            <a:pPr marL="285750" indent="-285750">
+              <a:buFont typeface="Arial" panose="020B0604020202020204" pitchFamily="34" charset="0"/>
+              <a:buChar char="•"/>
+            </a:pPr>
+            <a:r>
+              <a:rPr lang="fr-FR" dirty="0" smtClean="0"/>
+              <a:t>Ajout d’une fenêtre Administrateur</a:t>
+            </a:r>
+            <a:endParaRPr lang="fr-FR" dirty="0"/>
+          </a:p>
+        </p:txBody>
+      </p:sp>
+      <p:pic>
+        <p:nvPicPr>
+          <p:cNvPr id="3" name="Image 2"/>
+          <p:cNvPicPr>
+            <a:picLocks noChangeAspect="1"/>
+          </p:cNvPicPr>
+          <p:nvPr/>
+        </p:nvPicPr>
+        <p:blipFill rotWithShape="1">
+          <a:blip r:embed="rId2">
+            <a:extLst>
+              <a:ext uri="{28A0092B-C50C-407E-A947-70E740481C1C}">
+                <a14:useLocalDpi xmlns:a14="http://schemas.microsoft.com/office/drawing/2010/main" val="0"/>
+              </a:ext>
+            </a:extLst>
+          </a:blip>
+          <a:srcRect t="2225" b="-1"/>
+          <a:stretch/>
+        </p:blipFill>
+        <p:spPr>
+          <a:xfrm>
+            <a:off x="5182732" y="2232596"/>
+            <a:ext cx="3797300" cy="4383360"/>
+          </a:xfrm>
+          <a:prstGeom prst="rect">
+            <a:avLst/>
+          </a:prstGeom>
+        </p:spPr>
+      </p:pic>
+      <p:pic>
+        <p:nvPicPr>
+          <p:cNvPr id="6" name="Image 5"/>
+          <p:cNvPicPr>
+            <a:picLocks noChangeAspect="1"/>
+          </p:cNvPicPr>
+          <p:nvPr/>
+        </p:nvPicPr>
+        <p:blipFill>
+          <a:blip r:embed="rId3">
+            <a:extLst>
+              <a:ext uri="{28A0092B-C50C-407E-A947-70E740481C1C}">
+                <a14:useLocalDpi xmlns:a14="http://schemas.microsoft.com/office/drawing/2010/main" val="0"/>
+              </a:ext>
+            </a:extLst>
+          </a:blip>
+          <a:stretch>
+            <a:fillRect/>
+          </a:stretch>
+        </p:blipFill>
+        <p:spPr>
+          <a:xfrm>
+            <a:off x="251520" y="2183656"/>
+            <a:ext cx="3810000" cy="4432300"/>
+          </a:xfrm>
+          <a:prstGeom prst="rect">
+            <a:avLst/>
+          </a:prstGeom>
+        </p:spPr>
+      </p:pic>
+      <p:sp>
+        <p:nvSpPr>
+          <p:cNvPr id="7" name="ZoneTexte 6"/>
+          <p:cNvSpPr txBox="1"/>
+          <p:nvPr/>
+        </p:nvSpPr>
+        <p:spPr>
+          <a:xfrm>
+            <a:off x="457200" y="1700808"/>
+            <a:ext cx="3250704" cy="369332"/>
+          </a:xfrm>
+          <a:prstGeom prst="rect">
+            <a:avLst/>
+          </a:prstGeom>
+          <a:noFill/>
+        </p:spPr>
+        <p:txBody>
+          <a:bodyPr wrap="square" rtlCol="0">
+            <a:spAutoFit/>
+          </a:bodyPr>
+          <a:lstStyle/>
+          <a:p>
+            <a:r>
+              <a:rPr lang="fr-FR" dirty="0" smtClean="0"/>
+              <a:t>Première version</a:t>
+            </a:r>
+            <a:endParaRPr lang="fr-FR" dirty="0"/>
+          </a:p>
+        </p:txBody>
+      </p:sp>
+      <p:sp>
+        <p:nvSpPr>
+          <p:cNvPr id="10" name="ZoneTexte 9"/>
+          <p:cNvSpPr txBox="1"/>
+          <p:nvPr/>
+        </p:nvSpPr>
+        <p:spPr>
+          <a:xfrm>
+            <a:off x="5353744" y="1763524"/>
+            <a:ext cx="3250704" cy="369332"/>
+          </a:xfrm>
+          <a:prstGeom prst="rect">
+            <a:avLst/>
+          </a:prstGeom>
+          <a:noFill/>
+        </p:spPr>
+        <p:txBody>
+          <a:bodyPr wrap="square" rtlCol="0">
+            <a:spAutoFit/>
+          </a:bodyPr>
+          <a:lstStyle/>
+          <a:p>
+            <a:r>
+              <a:rPr lang="fr-FR" dirty="0" smtClean="0"/>
+              <a:t>Version finale</a:t>
+            </a:r>
+            <a:endParaRPr lang="fr-FR" dirty="0"/>
+          </a:p>
+        </p:txBody>
+      </p:sp>
+    </p:spTree>
+    <p:extLst>
+      <p:ext uri="{BB962C8B-B14F-4D97-AF65-F5344CB8AC3E}">
+        <p14:creationId xmlns:p14="http://schemas.microsoft.com/office/powerpoint/2010/main" val="147612785"/>
+      </p:ext>
+    </p:extLst>
+  </p:cSld>
+  <p:clrMapOvr>
+    <a:masterClrMapping/>
+  </p:clrMapOvr>
+  <p:timing>
+    <p:tnLst>
+      <p:par>
+        <p:cTn id="1" dur="indefinite" restart="never" nodeType="tmRoot"/>
+      </p:par>
+    </p:tnLst>
+  </p:timing>
+</p:sld>
+</file>
+
+<file path=ppt/slides/slide12.xml><?xml version="1.0" encoding="utf-8"?>
+<p:sld xmlns:a="http://schemas.openxmlformats.org/drawingml/2006/main" xmlns:r="http://schemas.openxmlformats.org/officeDocument/2006/relationships" xmlns:p="http://schemas.openxmlformats.org/presentationml/2006/main">
+  <p:cSld>
+    <p:spTree>
+      <p:nvGrpSpPr>
+        <p:cNvPr id="1" name=""/>
+        <p:cNvGrpSpPr/>
+        <p:nvPr/>
+      </p:nvGrpSpPr>
+      <p:grpSpPr>
+        <a:xfrm>
+          <a:off x="0" y="0"/>
+          <a:ext cx="0" cy="0"/>
+          <a:chOff x="0" y="0"/>
+          <a:chExt cx="0" cy="0"/>
+        </a:xfrm>
+      </p:grpSpPr>
+      <p:sp>
+        <p:nvSpPr>
+          <p:cNvPr id="2" name="Titre 1"/>
+          <p:cNvSpPr>
+            <a:spLocks noGrp="1"/>
+          </p:cNvSpPr>
+          <p:nvPr>
+            <p:ph type="title"/>
+          </p:nvPr>
+        </p:nvSpPr>
+        <p:spPr/>
+        <p:txBody>
+          <a:bodyPr/>
+          <a:lstStyle/>
+          <a:p>
+            <a:r>
+              <a:rPr lang="fr-FR" dirty="0" smtClean="0"/>
+              <a:t>III – Démarche projet</a:t>
+            </a:r>
+            <a:endParaRPr lang="fr-FR" dirty="0"/>
+          </a:p>
+        </p:txBody>
+      </p:sp>
+      <p:sp>
+        <p:nvSpPr>
+          <p:cNvPr id="4" name="ZoneTexte 3"/>
+          <p:cNvSpPr txBox="1"/>
+          <p:nvPr/>
+        </p:nvSpPr>
+        <p:spPr>
+          <a:xfrm>
+            <a:off x="971600" y="1988840"/>
+            <a:ext cx="6696744" cy="1477328"/>
+          </a:xfrm>
+          <a:prstGeom prst="rect">
+            <a:avLst/>
+          </a:prstGeom>
+          <a:noFill/>
+        </p:spPr>
+        <p:txBody>
+          <a:bodyPr wrap="square" rtlCol="0">
+            <a:spAutoFit/>
+          </a:bodyPr>
+          <a:lstStyle/>
+          <a:p>
+            <a:pPr marL="342900" indent="-342900">
+              <a:buFontTx/>
+              <a:buAutoNum type="alphaLcParenR"/>
+            </a:pPr>
+            <a:r>
+              <a:rPr lang="fr-FR" dirty="0" smtClean="0"/>
+              <a:t>Organisation équipe </a:t>
+            </a:r>
+            <a:r>
+              <a:rPr lang="fr-FR" dirty="0" smtClean="0">
+                <a:sym typeface="Wingdings" panose="05000000000000000000" pitchFamily="2" charset="2"/>
+              </a:rPr>
+              <a:t> suivre </a:t>
+            </a:r>
+            <a:r>
+              <a:rPr lang="fr-FR" dirty="0">
+                <a:sym typeface="Wingdings" panose="05000000000000000000" pitchFamily="2" charset="2"/>
+              </a:rPr>
+              <a:t>les user </a:t>
+            </a:r>
+            <a:r>
+              <a:rPr lang="fr-FR" dirty="0" smtClean="0">
+                <a:sym typeface="Wingdings" panose="05000000000000000000" pitchFamily="2" charset="2"/>
+              </a:rPr>
+              <a:t>stories</a:t>
+            </a:r>
+            <a:endParaRPr lang="fr-FR" dirty="0" smtClean="0"/>
+          </a:p>
+          <a:p>
+            <a:pPr marL="342900" indent="-342900">
+              <a:buAutoNum type="alphaLcParenR"/>
+            </a:pPr>
+            <a:r>
+              <a:rPr lang="fr-FR" dirty="0" smtClean="0"/>
+              <a:t>Organisation projet </a:t>
+            </a:r>
+            <a:r>
+              <a:rPr lang="fr-FR" dirty="0" smtClean="0">
+                <a:sym typeface="Wingdings" panose="05000000000000000000" pitchFamily="2" charset="2"/>
+              </a:rPr>
+              <a:t> suivre les user stories</a:t>
+            </a:r>
+            <a:endParaRPr lang="fr-FR" dirty="0" smtClean="0"/>
+          </a:p>
+          <a:p>
+            <a:pPr marL="342900" indent="-342900">
+              <a:buAutoNum type="alphaLcParenR"/>
+            </a:pPr>
+            <a:r>
+              <a:rPr lang="fr-FR" dirty="0" smtClean="0"/>
+              <a:t>Les tâches</a:t>
+            </a:r>
+          </a:p>
+          <a:p>
+            <a:pPr marL="342900" indent="-342900">
+              <a:buAutoNum type="alphaLcParenR"/>
+            </a:pPr>
+            <a:r>
+              <a:rPr lang="fr-FR" dirty="0" smtClean="0"/>
+              <a:t>Les outils</a:t>
+            </a:r>
+          </a:p>
+          <a:p>
+            <a:pPr marL="342900" indent="-342900">
+              <a:buAutoNum type="alphaLcParenR"/>
+            </a:pPr>
+            <a:r>
+              <a:rPr lang="fr-FR" dirty="0" smtClean="0"/>
+              <a:t>Le temps</a:t>
+            </a:r>
+            <a:endParaRPr lang="fr-FR" dirty="0"/>
+          </a:p>
+        </p:txBody>
+      </p:sp>
+    </p:spTree>
+    <p:extLst>
+      <p:ext uri="{BB962C8B-B14F-4D97-AF65-F5344CB8AC3E}">
+        <p14:creationId xmlns:p14="http://schemas.microsoft.com/office/powerpoint/2010/main" val="3513345393"/>
+      </p:ext>
+    </p:extLst>
+  </p:cSld>
+  <p:clrMapOvr>
+    <a:masterClrMapping/>
+  </p:clrMapOvr>
+  <p:timing>
+    <p:tnLst>
+      <p:par>
+        <p:cTn id="1" dur="indefinite" restart="never" nodeType="tmRoot"/>
+      </p:par>
+    </p:tnLst>
+  </p:timing>
+</p:sld>
+</file>
+
+<file path=ppt/slides/slide13.xml><?xml version="1.0" encoding="utf-8"?>
+<p:sld xmlns:a="http://schemas.openxmlformats.org/drawingml/2006/main" xmlns:r="http://schemas.openxmlformats.org/officeDocument/2006/relationships" xmlns:p="http://schemas.openxmlformats.org/presentationml/2006/main">
+  <p:cSld>
+    <p:spTree>
+      <p:nvGrpSpPr>
+        <p:cNvPr id="1" name=""/>
+        <p:cNvGrpSpPr/>
+        <p:nvPr/>
+      </p:nvGrpSpPr>
+      <p:grpSpPr>
+        <a:xfrm>
+          <a:off x="0" y="0"/>
+          <a:ext cx="0" cy="0"/>
+          <a:chOff x="0" y="0"/>
+          <a:chExt cx="0" cy="0"/>
+        </a:xfrm>
+      </p:grpSpPr>
+      <p:sp>
+        <p:nvSpPr>
+          <p:cNvPr id="2" name="Titre 1"/>
+          <p:cNvSpPr>
+            <a:spLocks noGrp="1"/>
+          </p:cNvSpPr>
+          <p:nvPr>
+            <p:ph type="title"/>
+          </p:nvPr>
+        </p:nvSpPr>
+        <p:spPr/>
+        <p:txBody>
+          <a:bodyPr/>
+          <a:lstStyle/>
+          <a:p>
+            <a:r>
+              <a:rPr lang="fr-FR" dirty="0" smtClean="0"/>
+              <a:t>IV – Démonstration</a:t>
+            </a:r>
+            <a:endParaRPr lang="fr-FR" dirty="0"/>
+          </a:p>
+        </p:txBody>
+      </p:sp>
+    </p:spTree>
+    <p:extLst>
+      <p:ext uri="{BB962C8B-B14F-4D97-AF65-F5344CB8AC3E}">
+        <p14:creationId xmlns:p14="http://schemas.microsoft.com/office/powerpoint/2010/main" val="3268911496"/>
+      </p:ext>
+    </p:extLst>
+  </p:cSld>
+  <p:clrMapOvr>
+    <a:masterClrMapping/>
+  </p:clrMapOvr>
+  <p:timing>
+    <p:tnLst>
+      <p:par>
+        <p:cTn id="1" dur="indefinite" restart="never" nodeType="tmRoot"/>
+      </p:par>
+    </p:tnLst>
+  </p:timing>
+</p:sld>
+</file>
+
+<file path=ppt/slides/slide14.xml><?xml version="1.0" encoding="utf-8"?>
+<p:sld xmlns:a="http://schemas.openxmlformats.org/drawingml/2006/main" xmlns:r="http://schemas.openxmlformats.org/officeDocument/2006/relationships" xmlns:p="http://schemas.openxmlformats.org/presentationml/2006/main">
+  <p:cSld>
+    <p:spTree>
+      <p:nvGrpSpPr>
+        <p:cNvPr id="1" name=""/>
+        <p:cNvGrpSpPr/>
+        <p:nvPr/>
+      </p:nvGrpSpPr>
+      <p:grpSpPr>
+        <a:xfrm>
+          <a:off x="0" y="0"/>
+          <a:ext cx="0" cy="0"/>
+          <a:chOff x="0" y="0"/>
+          <a:chExt cx="0" cy="0"/>
+        </a:xfrm>
+      </p:grpSpPr>
+      <p:sp>
+        <p:nvSpPr>
+          <p:cNvPr id="2" name="Titre 1"/>
+          <p:cNvSpPr>
+            <a:spLocks noGrp="1"/>
+          </p:cNvSpPr>
+          <p:nvPr>
+            <p:ph type="title"/>
+          </p:nvPr>
+        </p:nvSpPr>
+        <p:spPr/>
+        <p:txBody>
+          <a:bodyPr>
+            <a:normAutofit fontScale="90000"/>
+          </a:bodyPr>
+          <a:lstStyle/>
+          <a:p>
+            <a:r>
+              <a:rPr lang="fr-FR" dirty="0" smtClean="0"/>
+              <a:t>V – Retour critique / feedback</a:t>
+            </a:r>
+            <a:endParaRPr lang="fr-FR" dirty="0"/>
+          </a:p>
+        </p:txBody>
+      </p:sp>
+    </p:spTree>
+    <p:extLst>
+      <p:ext uri="{BB962C8B-B14F-4D97-AF65-F5344CB8AC3E}">
+        <p14:creationId xmlns:p14="http://schemas.microsoft.com/office/powerpoint/2010/main" val="1795044551"/>
+      </p:ext>
+    </p:extLst>
+  </p:cSld>
+  <p:clrMapOvr>
+    <a:masterClrMapping/>
+  </p:clrMapOvr>
+  <p:timing>
+    <p:tnLst>
+      <p:par>
+        <p:cTn id="1" dur="indefinite" restart="never" nodeType="tmRoot"/>
+      </p:par>
+    </p:tnLst>
+  </p:timing>
+</p:sld>
+</file>
+
 <file path=ppt/slides/slide2.xml><?xml version="1.0" encoding="utf-8"?>
 <p:sld xmlns:a="http://schemas.openxmlformats.org/drawingml/2006/main" xmlns:r="http://schemas.openxmlformats.org/officeDocument/2006/relationships" xmlns:p="http://schemas.openxmlformats.org/presentationml/2006/main">
   <p:cSld>
@@ -4106,6 +4896,13 @@
   <p:clrMapOvr>
     <a:masterClrMapping/>
   </p:clrMapOvr>
+  <p:timing>
+    <p:tnLst>
+      <p:par>
+        <p:cTn id="1" dur="indefinite" restart="never" nodeType="tmRoot"/>
+      </p:par>
+    </p:tnLst>
+  </p:timing>
 </p:sld>
 </file>
 
@@ -4141,106 +4938,189 @@
           <a:bodyPr/>
           <a:lstStyle/>
           <a:p>
-            <a:r>
-              <a:rPr lang="fr-FR" dirty="0" smtClean="0"/>
-              <a:t>III – Démarche projet</a:t>
-            </a:r>
-            <a:endParaRPr lang="fr-FR" dirty="0"/>
-          </a:p>
-        </p:txBody>
-      </p:sp>
-      <p:sp>
-        <p:nvSpPr>
-          <p:cNvPr id="4" name="ZoneTexte 3"/>
-          <p:cNvSpPr txBox="1"/>
-          <p:nvPr/>
-        </p:nvSpPr>
-        <p:spPr>
-          <a:xfrm>
-            <a:off x="971600" y="1988840"/>
-            <a:ext cx="6696744" cy="1477328"/>
-          </a:xfrm>
-          <a:prstGeom prst="rect">
-            <a:avLst/>
-          </a:prstGeom>
-          <a:noFill/>
-        </p:spPr>
-        <p:txBody>
-          <a:bodyPr wrap="square" rtlCol="0">
-            <a:spAutoFit/>
+            <a:endParaRPr lang="fr-FR"/>
+          </a:p>
+        </p:txBody>
+      </p:sp>
+      <p:sp>
+        <p:nvSpPr>
+          <p:cNvPr id="3" name="Espace réservé du contenu 2"/>
+          <p:cNvSpPr>
+            <a:spLocks noGrp="1"/>
+          </p:cNvSpPr>
+          <p:nvPr>
+            <p:ph idx="1"/>
+          </p:nvPr>
+        </p:nvSpPr>
+        <p:spPr/>
+        <p:txBody>
+          <a:bodyPr>
+            <a:normAutofit fontScale="55000" lnSpcReduction="20000"/>
           </a:bodyPr>
           <a:lstStyle/>
           <a:p>
-            <a:pPr marL="342900" indent="-342900">
-              <a:buFontTx/>
-              <a:buAutoNum type="alphaLcParenR"/>
+            <a:pPr marL="36576" indent="0">
+              <a:buNone/>
             </a:pPr>
             <a:r>
-              <a:rPr lang="fr-FR" dirty="0" smtClean="0"/>
-              <a:t>Organisation équipe </a:t>
-            </a:r>
-            <a:r>
-              <a:rPr lang="fr-FR" dirty="0" smtClean="0">
-                <a:sym typeface="Wingdings" panose="05000000000000000000" pitchFamily="2" charset="2"/>
-              </a:rPr>
-              <a:t> suivre </a:t>
-            </a:r>
-            <a:r>
-              <a:rPr lang="fr-FR" dirty="0">
-                <a:sym typeface="Wingdings" panose="05000000000000000000" pitchFamily="2" charset="2"/>
-              </a:rPr>
-              <a:t>les user </a:t>
-            </a:r>
-            <a:r>
-              <a:rPr lang="fr-FR" dirty="0" smtClean="0">
-                <a:sym typeface="Wingdings" panose="05000000000000000000" pitchFamily="2" charset="2"/>
-              </a:rPr>
-              <a:t>stories</a:t>
-            </a:r>
-            <a:endParaRPr lang="fr-FR" dirty="0" smtClean="0"/>
-          </a:p>
-          <a:p>
-            <a:pPr marL="342900" indent="-342900">
-              <a:buAutoNum type="alphaLcParenR"/>
+              <a:rPr lang="fr-FR" dirty="0"/>
+              <a:t> a) </a:t>
+            </a:r>
+            <a:r>
+              <a:rPr lang="fr-FR" dirty="0" err="1"/>
+              <a:t>Users</a:t>
+            </a:r>
+            <a:r>
+              <a:rPr lang="fr-FR" dirty="0"/>
+              <a:t> Stories</a:t>
+            </a:r>
+          </a:p>
+          <a:p>
+            <a:pPr marL="36576" indent="0">
+              <a:buNone/>
             </a:pPr>
             <a:r>
-              <a:rPr lang="fr-FR" dirty="0" smtClean="0"/>
-              <a:t>Organisation projet </a:t>
-            </a:r>
-            <a:r>
-              <a:rPr lang="fr-FR" dirty="0" smtClean="0">
-                <a:sym typeface="Wingdings" panose="05000000000000000000" pitchFamily="2" charset="2"/>
-              </a:rPr>
-              <a:t> suivre les user stories</a:t>
-            </a:r>
-            <a:endParaRPr lang="fr-FR" dirty="0" smtClean="0"/>
-          </a:p>
-          <a:p>
-            <a:pPr marL="342900" indent="-342900">
-              <a:buAutoNum type="alphaLcParenR"/>
+              <a:rPr lang="fr-FR" dirty="0"/>
+              <a:t>	-Stories + détails exigence (rapide)</a:t>
+            </a:r>
+          </a:p>
+          <a:p>
+            <a:pPr marL="36576" indent="0">
+              <a:buNone/>
             </a:pPr>
             <a:r>
-              <a:rPr lang="fr-FR" dirty="0" smtClean="0"/>
-              <a:t>Les tâches</a:t>
-            </a:r>
-          </a:p>
-          <a:p>
-            <a:pPr marL="342900" indent="-342900">
-              <a:buAutoNum type="alphaLcParenR"/>
+              <a:rPr lang="fr-FR" dirty="0"/>
+              <a:t>   b) Solution choisies</a:t>
+            </a:r>
+          </a:p>
+          <a:p>
+            <a:pPr marL="36576" indent="0">
+              <a:buNone/>
             </a:pPr>
             <a:r>
-              <a:rPr lang="fr-FR" dirty="0" smtClean="0"/>
-              <a:t>Les outils</a:t>
-            </a:r>
-          </a:p>
-          <a:p>
-            <a:pPr marL="342900" indent="-342900">
-              <a:buAutoNum type="alphaLcParenR"/>
+              <a:rPr lang="fr-FR" dirty="0"/>
+              <a:t>	-mise en place d'une base de donnée</a:t>
+            </a:r>
+          </a:p>
+          <a:p>
+            <a:pPr marL="36576" indent="0">
+              <a:buNone/>
             </a:pPr>
             <a:r>
-              <a:rPr lang="fr-FR" dirty="0" smtClean="0"/>
-              <a:t>Le temps</a:t>
-            </a:r>
+              <a:rPr lang="fr-FR" dirty="0"/>
+              <a:t>	-Création d'un interface graphique</a:t>
+            </a:r>
+          </a:p>
+          <a:p>
+            <a:pPr marL="36576" indent="0">
+              <a:buNone/>
+            </a:pPr>
+            <a:r>
+              <a:rPr lang="fr-FR" dirty="0"/>
+              <a:t>	-Utilisation d'api Bing/Twitter</a:t>
+            </a:r>
+          </a:p>
+          <a:p>
+            <a:pPr marL="36576" indent="0">
+              <a:buNone/>
+            </a:pPr>
+            <a:r>
+              <a:rPr lang="fr-FR" dirty="0"/>
+              <a:t>   c) Détails techniques</a:t>
+            </a:r>
+          </a:p>
+          <a:p>
+            <a:pPr marL="36576" indent="0">
+              <a:buNone/>
+            </a:pPr>
+            <a:r>
+              <a:rPr lang="fr-FR" dirty="0"/>
+              <a:t>	-classes/méthodes</a:t>
+            </a:r>
+          </a:p>
+          <a:p>
+            <a:pPr marL="36576" indent="0">
+              <a:buNone/>
+            </a:pPr>
+            <a:r>
+              <a:rPr lang="fr-FR" dirty="0"/>
+              <a:t>	-Interactions des classes</a:t>
+            </a:r>
+          </a:p>
+          <a:p>
+            <a:pPr marL="36576" indent="0">
+              <a:buNone/>
+            </a:pPr>
+            <a:r>
+              <a:rPr lang="fr-FR" dirty="0"/>
+              <a:t>	-Explication des traitement de </a:t>
+            </a:r>
+            <a:r>
+              <a:rPr lang="fr-FR" dirty="0" err="1"/>
+              <a:t>requetes</a:t>
+            </a:r>
+            <a:r>
+              <a:rPr lang="fr-FR" dirty="0"/>
+              <a:t> Bing et Twitter</a:t>
+            </a:r>
+          </a:p>
+          <a:p>
+            <a:pPr marL="36576" indent="0">
+              <a:buNone/>
+            </a:pPr>
+            <a:r>
+              <a:rPr lang="fr-FR" dirty="0"/>
+              <a:t>   d) Graphes de synthèse</a:t>
+            </a:r>
+          </a:p>
+          <a:p>
+            <a:pPr marL="36576" indent="0">
+              <a:buNone/>
+            </a:pPr>
+            <a:r>
+              <a:rPr lang="fr-FR" dirty="0"/>
+              <a:t>	-Graphe de structure</a:t>
+            </a:r>
+          </a:p>
+          <a:p>
+            <a:pPr marL="36576" indent="0">
+              <a:buNone/>
+            </a:pPr>
+            <a:r>
+              <a:rPr lang="fr-FR" dirty="0"/>
+              <a:t>	-Graphe </a:t>
+            </a:r>
+            <a:r>
+              <a:rPr lang="fr-FR" dirty="0" err="1"/>
+              <a:t>séquenciel</a:t>
+            </a:r>
+            <a:r>
+              <a:rPr lang="fr-FR" dirty="0"/>
+              <a:t> pour les différentes utilisations du logiciel (recherche de trends /recherche de news/sauvegarde d'article)</a:t>
+            </a:r>
+          </a:p>
+          <a:p>
+            <a:pPr marL="36576" indent="0">
+              <a:buNone/>
+            </a:pPr>
+            <a:r>
+              <a:rPr lang="fr-FR" dirty="0"/>
+              <a:t>   e)Elargissement</a:t>
+            </a:r>
+          </a:p>
+          <a:p>
+            <a:pPr marL="36576" indent="0">
+              <a:buNone/>
+            </a:pPr>
+            <a:r>
+              <a:rPr lang="fr-FR" dirty="0"/>
+              <a:t>	-Conclusion sur les solutions utilisées, (les pertinentes, les peu pertinentes, les à-faire/a-refaire)</a:t>
+            </a:r>
+          </a:p>
+          <a:p>
+            <a:pPr marL="36576" indent="0">
+              <a:buNone/>
+            </a:pPr>
             <a:endParaRPr lang="fr-FR" dirty="0"/>
           </a:p>
         </p:txBody>
@@ -4248,13 +5128,20 @@
     </p:spTree>
     <p:extLst>
       <p:ext uri="{BB962C8B-B14F-4D97-AF65-F5344CB8AC3E}">
-        <p14:creationId xmlns:p14="http://schemas.microsoft.com/office/powerpoint/2010/main" val="3513345393"/>
+        <p14:creationId xmlns:p14="http://schemas.microsoft.com/office/powerpoint/2010/main" val="1745988670"/>
       </p:ext>
     </p:extLst>
   </p:cSld>
   <p:clrMapOvr>
     <a:masterClrMapping/>
   </p:clrMapOvr>
+  <p:timing>
+    <p:tnLst>
+      <p:par>
+        <p:cTn id="1" dur="indefinite" restart="never" nodeType="tmRoot"/>
+      </p:par>
+    </p:tnLst>
+  </p:timing>
 </p:sld>
 </file>
 
@@ -4287,12 +5174,114 @@
         </p:nvSpPr>
         <p:spPr/>
         <p:txBody>
-          <a:bodyPr/>
-          <a:lstStyle/>
-          <a:p>
+          <a:bodyPr>
+            <a:normAutofit fontScale="90000"/>
+          </a:bodyPr>
+          <a:lstStyle/>
+          <a:p>
+            <a:r>
+              <a:rPr lang="fr-FR" dirty="0"/>
+              <a:t>Création d'un interface graphique</a:t>
+            </a:r>
+          </a:p>
+        </p:txBody>
+      </p:sp>
+      <p:sp>
+        <p:nvSpPr>
+          <p:cNvPr id="4" name="ZoneTexte 3"/>
+          <p:cNvSpPr txBox="1"/>
+          <p:nvPr/>
+        </p:nvSpPr>
+        <p:spPr>
+          <a:xfrm>
+            <a:off x="971600" y="2204864"/>
+            <a:ext cx="7416824" cy="1754326"/>
+          </a:xfrm>
+          <a:prstGeom prst="rect">
+            <a:avLst/>
+          </a:prstGeom>
+          <a:noFill/>
+        </p:spPr>
+        <p:txBody>
+          <a:bodyPr wrap="square" rtlCol="0">
+            <a:spAutoFit/>
+          </a:bodyPr>
+          <a:lstStyle/>
+          <a:p>
+            <a:pPr marL="285750" indent="-285750">
+              <a:buFont typeface="Arial" panose="020B0604020202020204" pitchFamily="34" charset="0"/>
+              <a:buChar char="•"/>
+            </a:pPr>
             <a:r>
               <a:rPr lang="fr-FR" dirty="0" smtClean="0"/>
-              <a:t>IV – Démonstration</a:t>
+              <a:t>Interface graphique réduite au minimum une </a:t>
+            </a:r>
+            <a:r>
+              <a:rPr lang="fr-FR" dirty="0" err="1" smtClean="0"/>
+              <a:t>Jlist</a:t>
+            </a:r>
+            <a:r>
+              <a:rPr lang="fr-FR" dirty="0" smtClean="0"/>
+              <a:t> dans un cadre gris</a:t>
+            </a:r>
+          </a:p>
+          <a:p>
+            <a:pPr marL="285750" indent="-285750">
+              <a:buFont typeface="Arial" panose="020B0604020202020204" pitchFamily="34" charset="0"/>
+              <a:buChar char="•"/>
+            </a:pPr>
+            <a:endParaRPr lang="fr-FR" dirty="0"/>
+          </a:p>
+          <a:p>
+            <a:pPr marL="285750" indent="-285750">
+              <a:buFont typeface="Arial" panose="020B0604020202020204" pitchFamily="34" charset="0"/>
+              <a:buChar char="•"/>
+            </a:pPr>
+            <a:r>
+              <a:rPr lang="fr-FR" dirty="0" smtClean="0"/>
+              <a:t>Dernière itération </a:t>
+            </a:r>
+            <a:r>
+              <a:rPr lang="fr-FR" dirty="0" smtClean="0">
+                <a:sym typeface="Wingdings" panose="05000000000000000000" pitchFamily="2" charset="2"/>
+              </a:rPr>
+              <a:t> interface graphique agréable</a:t>
+            </a:r>
+          </a:p>
+          <a:p>
+            <a:pPr marL="1200150" lvl="2" indent="-285750">
+              <a:buFont typeface="Wingdings" panose="05000000000000000000" pitchFamily="2" charset="2"/>
+              <a:buChar char="Ø"/>
+            </a:pPr>
+            <a:r>
+              <a:rPr lang="fr-FR" dirty="0" smtClean="0">
+                <a:sym typeface="Wingdings" panose="05000000000000000000" pitchFamily="2" charset="2"/>
+              </a:rPr>
+              <a:t>Image de fond</a:t>
+            </a:r>
+          </a:p>
+          <a:p>
+            <a:pPr marL="1200150" lvl="2" indent="-285750">
+              <a:buFont typeface="Wingdings" panose="05000000000000000000" pitchFamily="2" charset="2"/>
+              <a:buChar char="Ø"/>
+            </a:pPr>
+            <a:r>
+              <a:rPr lang="fr-FR" dirty="0" smtClean="0">
+                <a:sym typeface="Wingdings" panose="05000000000000000000" pitchFamily="2" charset="2"/>
+              </a:rPr>
+              <a:t>Logo</a:t>
+            </a:r>
+          </a:p>
+          <a:p>
+            <a:pPr marL="1200150" lvl="2" indent="-285750">
+              <a:buFont typeface="Wingdings" panose="05000000000000000000" pitchFamily="2" charset="2"/>
+              <a:buChar char="Ø"/>
+            </a:pPr>
+            <a:r>
+              <a:rPr lang="fr-FR" dirty="0" smtClean="0">
+                <a:sym typeface="Wingdings" panose="05000000000000000000" pitchFamily="2" charset="2"/>
+              </a:rPr>
+              <a:t>Thème couleurs</a:t>
             </a:r>
             <a:endParaRPr lang="fr-FR" dirty="0"/>
           </a:p>
@@ -4301,13 +5290,20 @@
     </p:spTree>
     <p:extLst>
       <p:ext uri="{BB962C8B-B14F-4D97-AF65-F5344CB8AC3E}">
-        <p14:creationId xmlns:p14="http://schemas.microsoft.com/office/powerpoint/2010/main" val="3268911496"/>
+        <p14:creationId xmlns:p14="http://schemas.microsoft.com/office/powerpoint/2010/main" val="1215063424"/>
       </p:ext>
     </p:extLst>
   </p:cSld>
   <p:clrMapOvr>
     <a:masterClrMapping/>
   </p:clrMapOvr>
+  <p:timing>
+    <p:tnLst>
+      <p:par>
+        <p:cTn id="1" dur="indefinite" restart="never" nodeType="tmRoot"/>
+      </p:par>
+    </p:tnLst>
+  </p:timing>
 </p:sld>
 </file>
 
@@ -4331,38 +5327,1006 @@
       <p:sp>
         <p:nvSpPr>
           <p:cNvPr id="2" name="Titre 1"/>
-          <p:cNvSpPr>
-            <a:spLocks noGrp="1"/>
-          </p:cNvSpPr>
-          <p:nvPr>
-            <p:ph type="title"/>
-          </p:nvPr>
-        </p:nvSpPr>
-        <p:spPr/>
+          <p:cNvSpPr txBox="1">
+            <a:spLocks/>
+          </p:cNvSpPr>
+          <p:nvPr/>
+        </p:nvSpPr>
+        <p:spPr>
+          <a:xfrm>
+            <a:off x="457200" y="274638"/>
+            <a:ext cx="8147248" cy="1143000"/>
+          </a:xfrm>
+          <a:prstGeom prst="rect">
+            <a:avLst/>
+          </a:prstGeom>
+        </p:spPr>
         <p:txBody>
           <a:bodyPr>
             <a:normAutofit fontScale="90000"/>
           </a:bodyPr>
-          <a:lstStyle/>
-          <a:p>
+          <a:lstStyle>
+            <a:lvl1pPr algn="l" rtl="0" eaLnBrk="1" latinLnBrk="0" hangingPunct="1">
+              <a:spcBef>
+                <a:spcPct val="0"/>
+              </a:spcBef>
+              <a:buNone/>
+              <a:defRPr kumimoji="0" sz="4600" kern="1200">
+                <a:solidFill>
+                  <a:schemeClr val="tx1"/>
+                </a:solidFill>
+                <a:latin typeface="+mj-lt"/>
+                <a:ea typeface="+mj-ea"/>
+                <a:cs typeface="+mj-cs"/>
+              </a:defRPr>
+            </a:lvl1pPr>
+          </a:lstStyle>
+          <a:p>
+            <a:r>
+              <a:rPr lang="fr-FR" smtClean="0"/>
+              <a:t>Création d'un interface graphique</a:t>
+            </a:r>
+            <a:endParaRPr lang="fr-FR" dirty="0"/>
+          </a:p>
+        </p:txBody>
+      </p:sp>
+      <p:sp>
+        <p:nvSpPr>
+          <p:cNvPr id="4" name="ZoneTexte 3"/>
+          <p:cNvSpPr txBox="1"/>
+          <p:nvPr/>
+        </p:nvSpPr>
+        <p:spPr>
+          <a:xfrm>
+            <a:off x="899592" y="1196752"/>
+            <a:ext cx="7560840" cy="369332"/>
+          </a:xfrm>
+          <a:prstGeom prst="rect">
+            <a:avLst/>
+          </a:prstGeom>
+          <a:noFill/>
+        </p:spPr>
+        <p:txBody>
+          <a:bodyPr wrap="square" rtlCol="0">
+            <a:spAutoFit/>
+          </a:bodyPr>
+          <a:lstStyle/>
+          <a:p>
+            <a:pPr marL="285750" indent="-285750">
+              <a:buFont typeface="Arial" panose="020B0604020202020204" pitchFamily="34" charset="0"/>
+              <a:buChar char="•"/>
+            </a:pPr>
             <a:r>
               <a:rPr lang="fr-FR" dirty="0" smtClean="0"/>
-              <a:t>V – Retour critique / feedback</a:t>
+              <a:t>Un premier panneau simple sous forme </a:t>
+            </a:r>
+            <a:r>
+              <a:rPr lang="fr-FR" dirty="0" err="1" smtClean="0"/>
+              <a:t>BordeLayout</a:t>
             </a:r>
             <a:endParaRPr lang="fr-FR" dirty="0"/>
           </a:p>
         </p:txBody>
       </p:sp>
+      <p:pic>
+        <p:nvPicPr>
+          <p:cNvPr id="5" name="Image 4"/>
+          <p:cNvPicPr>
+            <a:picLocks noChangeAspect="1"/>
+          </p:cNvPicPr>
+          <p:nvPr/>
+        </p:nvPicPr>
+        <p:blipFill>
+          <a:blip r:embed="rId2">
+            <a:extLst>
+              <a:ext uri="{28A0092B-C50C-407E-A947-70E740481C1C}">
+                <a14:useLocalDpi xmlns:a14="http://schemas.microsoft.com/office/drawing/2010/main" val="0"/>
+              </a:ext>
+            </a:extLst>
+          </a:blip>
+          <a:stretch>
+            <a:fillRect/>
+          </a:stretch>
+        </p:blipFill>
+        <p:spPr>
+          <a:xfrm>
+            <a:off x="1259632" y="2227293"/>
+            <a:ext cx="6169260" cy="4010019"/>
+          </a:xfrm>
+          <a:prstGeom prst="rect">
+            <a:avLst/>
+          </a:prstGeom>
+          <a:noFill/>
+          <a:ln>
+            <a:noFill/>
+          </a:ln>
+        </p:spPr>
+      </p:pic>
+      <p:cxnSp>
+        <p:nvCxnSpPr>
+          <p:cNvPr id="7" name="Connecteur droit 6"/>
+          <p:cNvCxnSpPr/>
+          <p:nvPr/>
+        </p:nvCxnSpPr>
+        <p:spPr>
+          <a:xfrm>
+            <a:off x="899592" y="2564904"/>
+            <a:ext cx="7344816" cy="0"/>
+          </a:xfrm>
+          <a:prstGeom prst="line">
+            <a:avLst/>
+          </a:prstGeom>
+          <a:ln w="25400">
+            <a:solidFill>
+              <a:srgbClr val="FF0000"/>
+            </a:solidFill>
+          </a:ln>
+        </p:spPr>
+        <p:style>
+          <a:lnRef idx="1">
+            <a:schemeClr val="accent1"/>
+          </a:lnRef>
+          <a:fillRef idx="0">
+            <a:schemeClr val="accent1"/>
+          </a:fillRef>
+          <a:effectRef idx="0">
+            <a:schemeClr val="accent1"/>
+          </a:effectRef>
+          <a:fontRef idx="minor">
+            <a:schemeClr val="tx1"/>
+          </a:fontRef>
+        </p:style>
+      </p:cxnSp>
+      <p:cxnSp>
+        <p:nvCxnSpPr>
+          <p:cNvPr id="8" name="Connecteur droit 7"/>
+          <p:cNvCxnSpPr/>
+          <p:nvPr/>
+        </p:nvCxnSpPr>
+        <p:spPr>
+          <a:xfrm>
+            <a:off x="743862" y="6021288"/>
+            <a:ext cx="7344816" cy="0"/>
+          </a:xfrm>
+          <a:prstGeom prst="line">
+            <a:avLst/>
+          </a:prstGeom>
+          <a:ln w="25400">
+            <a:solidFill>
+              <a:srgbClr val="FF0000"/>
+            </a:solidFill>
+          </a:ln>
+        </p:spPr>
+        <p:style>
+          <a:lnRef idx="1">
+            <a:schemeClr val="accent1"/>
+          </a:lnRef>
+          <a:fillRef idx="0">
+            <a:schemeClr val="accent1"/>
+          </a:fillRef>
+          <a:effectRef idx="0">
+            <a:schemeClr val="accent1"/>
+          </a:effectRef>
+          <a:fontRef idx="minor">
+            <a:schemeClr val="tx1"/>
+          </a:fontRef>
+        </p:style>
+      </p:cxnSp>
+      <p:cxnSp>
+        <p:nvCxnSpPr>
+          <p:cNvPr id="9" name="Connecteur droit 8"/>
+          <p:cNvCxnSpPr/>
+          <p:nvPr/>
+        </p:nvCxnSpPr>
+        <p:spPr>
+          <a:xfrm>
+            <a:off x="2915816" y="1998132"/>
+            <a:ext cx="0" cy="4732613"/>
+          </a:xfrm>
+          <a:prstGeom prst="line">
+            <a:avLst/>
+          </a:prstGeom>
+          <a:ln w="25400">
+            <a:solidFill>
+              <a:srgbClr val="FF0000"/>
+            </a:solidFill>
+          </a:ln>
+        </p:spPr>
+        <p:style>
+          <a:lnRef idx="1">
+            <a:schemeClr val="accent1"/>
+          </a:lnRef>
+          <a:fillRef idx="0">
+            <a:schemeClr val="accent1"/>
+          </a:fillRef>
+          <a:effectRef idx="0">
+            <a:schemeClr val="accent1"/>
+          </a:effectRef>
+          <a:fontRef idx="minor">
+            <a:schemeClr val="tx1"/>
+          </a:fontRef>
+        </p:style>
+      </p:cxnSp>
+      <p:sp>
+        <p:nvSpPr>
+          <p:cNvPr id="13" name="ZoneTexte 12"/>
+          <p:cNvSpPr txBox="1"/>
+          <p:nvPr/>
+        </p:nvSpPr>
+        <p:spPr>
+          <a:xfrm>
+            <a:off x="107504" y="4232302"/>
+            <a:ext cx="936104" cy="369332"/>
+          </a:xfrm>
+          <a:prstGeom prst="rect">
+            <a:avLst/>
+          </a:prstGeom>
+          <a:noFill/>
+          <a:ln>
+            <a:solidFill>
+              <a:schemeClr val="tx1"/>
+            </a:solidFill>
+          </a:ln>
+        </p:spPr>
+        <p:txBody>
+          <a:bodyPr wrap="square" rtlCol="0">
+            <a:spAutoFit/>
+          </a:bodyPr>
+          <a:lstStyle/>
+          <a:p>
+            <a:r>
+              <a:rPr lang="fr-FR" dirty="0" err="1" smtClean="0"/>
+              <a:t>Jlist</a:t>
+            </a:r>
+            <a:endParaRPr lang="fr-FR" dirty="0" smtClean="0"/>
+          </a:p>
+        </p:txBody>
+      </p:sp>
+      <p:sp>
+        <p:nvSpPr>
+          <p:cNvPr id="14" name="ZoneTexte 13"/>
+          <p:cNvSpPr txBox="1"/>
+          <p:nvPr/>
+        </p:nvSpPr>
+        <p:spPr>
+          <a:xfrm>
+            <a:off x="7164973" y="1490300"/>
+            <a:ext cx="1847410" cy="646331"/>
+          </a:xfrm>
+          <a:prstGeom prst="rect">
+            <a:avLst/>
+          </a:prstGeom>
+          <a:noFill/>
+          <a:ln>
+            <a:solidFill>
+              <a:schemeClr val="tx1"/>
+            </a:solidFill>
+          </a:ln>
+        </p:spPr>
+        <p:txBody>
+          <a:bodyPr wrap="square" rtlCol="0">
+            <a:spAutoFit/>
+          </a:bodyPr>
+          <a:lstStyle/>
+          <a:p>
+            <a:r>
+              <a:rPr lang="fr-FR" dirty="0" err="1" smtClean="0"/>
+              <a:t>Jlabel</a:t>
+            </a:r>
+            <a:r>
+              <a:rPr lang="fr-FR" dirty="0" smtClean="0"/>
+              <a:t>, </a:t>
+            </a:r>
+            <a:r>
+              <a:rPr lang="fr-FR" dirty="0" err="1" smtClean="0"/>
+              <a:t>Jbutton</a:t>
+            </a:r>
+            <a:r>
+              <a:rPr lang="fr-FR" dirty="0" smtClean="0"/>
+              <a:t>, </a:t>
+            </a:r>
+            <a:r>
+              <a:rPr lang="fr-FR" dirty="0" err="1" smtClean="0"/>
+              <a:t>JChoice</a:t>
+            </a:r>
+            <a:endParaRPr lang="fr-FR" dirty="0" smtClean="0"/>
+          </a:p>
+        </p:txBody>
+      </p:sp>
+      <p:cxnSp>
+        <p:nvCxnSpPr>
+          <p:cNvPr id="16" name="Connecteur droit avec flèche 15"/>
+          <p:cNvCxnSpPr/>
+          <p:nvPr/>
+        </p:nvCxnSpPr>
+        <p:spPr>
+          <a:xfrm flipV="1">
+            <a:off x="1043608" y="3861048"/>
+            <a:ext cx="1152128" cy="371254"/>
+          </a:xfrm>
+          <a:prstGeom prst="straightConnector1">
+            <a:avLst/>
+          </a:prstGeom>
+          <a:ln w="12700">
+            <a:solidFill>
+              <a:schemeClr val="tx1"/>
+            </a:solidFill>
+            <a:tailEnd type="arrow"/>
+          </a:ln>
+        </p:spPr>
+        <p:style>
+          <a:lnRef idx="1">
+            <a:schemeClr val="accent1"/>
+          </a:lnRef>
+          <a:fillRef idx="0">
+            <a:schemeClr val="accent1"/>
+          </a:fillRef>
+          <a:effectRef idx="0">
+            <a:schemeClr val="accent1"/>
+          </a:effectRef>
+          <a:fontRef idx="minor">
+            <a:schemeClr val="tx1"/>
+          </a:fontRef>
+        </p:style>
+      </p:cxnSp>
+      <p:cxnSp>
+        <p:nvCxnSpPr>
+          <p:cNvPr id="18" name="Connecteur droit avec flèche 17"/>
+          <p:cNvCxnSpPr/>
+          <p:nvPr/>
+        </p:nvCxnSpPr>
+        <p:spPr>
+          <a:xfrm flipH="1">
+            <a:off x="6876256" y="2136631"/>
+            <a:ext cx="288717" cy="428273"/>
+          </a:xfrm>
+          <a:prstGeom prst="straightConnector1">
+            <a:avLst/>
+          </a:prstGeom>
+          <a:ln w="15875">
+            <a:solidFill>
+              <a:schemeClr val="tx1"/>
+            </a:solidFill>
+            <a:tailEnd type="arrow"/>
+          </a:ln>
+        </p:spPr>
+        <p:style>
+          <a:lnRef idx="1">
+            <a:schemeClr val="accent1"/>
+          </a:lnRef>
+          <a:fillRef idx="0">
+            <a:schemeClr val="accent1"/>
+          </a:fillRef>
+          <a:effectRef idx="0">
+            <a:schemeClr val="accent1"/>
+          </a:effectRef>
+          <a:fontRef idx="minor">
+            <a:schemeClr val="tx1"/>
+          </a:fontRef>
+        </p:style>
+      </p:cxnSp>
+      <p:cxnSp>
+        <p:nvCxnSpPr>
+          <p:cNvPr id="20" name="Connecteur droit avec flèche 19"/>
+          <p:cNvCxnSpPr/>
+          <p:nvPr/>
+        </p:nvCxnSpPr>
+        <p:spPr>
+          <a:xfrm flipH="1">
+            <a:off x="7308304" y="2142148"/>
+            <a:ext cx="1527147" cy="4023156"/>
+          </a:xfrm>
+          <a:prstGeom prst="straightConnector1">
+            <a:avLst/>
+          </a:prstGeom>
+          <a:ln w="15875">
+            <a:solidFill>
+              <a:schemeClr val="tx1"/>
+            </a:solidFill>
+            <a:tailEnd type="arrow"/>
+          </a:ln>
+        </p:spPr>
+        <p:style>
+          <a:lnRef idx="1">
+            <a:schemeClr val="accent1"/>
+          </a:lnRef>
+          <a:fillRef idx="0">
+            <a:schemeClr val="accent1"/>
+          </a:fillRef>
+          <a:effectRef idx="0">
+            <a:schemeClr val="accent1"/>
+          </a:effectRef>
+          <a:fontRef idx="minor">
+            <a:schemeClr val="tx1"/>
+          </a:fontRef>
+        </p:style>
+      </p:cxnSp>
     </p:spTree>
     <p:extLst>
       <p:ext uri="{BB962C8B-B14F-4D97-AF65-F5344CB8AC3E}">
-        <p14:creationId xmlns:p14="http://schemas.microsoft.com/office/powerpoint/2010/main" val="1795044551"/>
+        <p14:creationId xmlns:p14="http://schemas.microsoft.com/office/powerpoint/2010/main" val="1157801011"/>
       </p:ext>
     </p:extLst>
   </p:cSld>
   <p:clrMapOvr>
     <a:masterClrMapping/>
   </p:clrMapOvr>
+  <p:timing>
+    <p:tnLst>
+      <p:par>
+        <p:cTn id="1" dur="indefinite" restart="never" nodeType="tmRoot"/>
+      </p:par>
+    </p:tnLst>
+  </p:timing>
+</p:sld>
+</file>
+
+<file path=ppt/slides/slide8.xml><?xml version="1.0" encoding="utf-8"?>
+<p:sld xmlns:a="http://schemas.openxmlformats.org/drawingml/2006/main" xmlns:r="http://schemas.openxmlformats.org/officeDocument/2006/relationships" xmlns:p="http://schemas.openxmlformats.org/presentationml/2006/main">
+  <p:cSld>
+    <p:spTree>
+      <p:nvGrpSpPr>
+        <p:cNvPr id="1" name=""/>
+        <p:cNvGrpSpPr/>
+        <p:nvPr/>
+      </p:nvGrpSpPr>
+      <p:grpSpPr>
+        <a:xfrm>
+          <a:off x="0" y="0"/>
+          <a:ext cx="0" cy="0"/>
+          <a:chOff x="0" y="0"/>
+          <a:chExt cx="0" cy="0"/>
+        </a:xfrm>
+      </p:grpSpPr>
+      <p:pic>
+        <p:nvPicPr>
+          <p:cNvPr id="3" name="Image 2"/>
+          <p:cNvPicPr>
+            <a:picLocks noChangeAspect="1"/>
+          </p:cNvPicPr>
+          <p:nvPr/>
+        </p:nvPicPr>
+        <p:blipFill>
+          <a:blip r:embed="rId2">
+            <a:extLst>
+              <a:ext uri="{28A0092B-C50C-407E-A947-70E740481C1C}">
+                <a14:useLocalDpi xmlns:a14="http://schemas.microsoft.com/office/drawing/2010/main" val="0"/>
+              </a:ext>
+            </a:extLst>
+          </a:blip>
+          <a:stretch>
+            <a:fillRect/>
+          </a:stretch>
+        </p:blipFill>
+        <p:spPr>
+          <a:xfrm>
+            <a:off x="985112" y="1737203"/>
+            <a:ext cx="7405855" cy="4831192"/>
+          </a:xfrm>
+          <a:prstGeom prst="rect">
+            <a:avLst/>
+          </a:prstGeom>
+        </p:spPr>
+      </p:pic>
+      <p:sp>
+        <p:nvSpPr>
+          <p:cNvPr id="2" name="Titre 1"/>
+          <p:cNvSpPr txBox="1">
+            <a:spLocks/>
+          </p:cNvSpPr>
+          <p:nvPr/>
+        </p:nvSpPr>
+        <p:spPr>
+          <a:xfrm>
+            <a:off x="457200" y="274638"/>
+            <a:ext cx="8147248" cy="1143000"/>
+          </a:xfrm>
+          <a:prstGeom prst="rect">
+            <a:avLst/>
+          </a:prstGeom>
+        </p:spPr>
+        <p:txBody>
+          <a:bodyPr>
+            <a:normAutofit fontScale="90000"/>
+          </a:bodyPr>
+          <a:lstStyle>
+            <a:lvl1pPr algn="l" rtl="0" eaLnBrk="1" latinLnBrk="0" hangingPunct="1">
+              <a:spcBef>
+                <a:spcPct val="0"/>
+              </a:spcBef>
+              <a:buNone/>
+              <a:defRPr kumimoji="0" sz="4600" kern="1200">
+                <a:solidFill>
+                  <a:schemeClr val="tx1"/>
+                </a:solidFill>
+                <a:latin typeface="+mj-lt"/>
+                <a:ea typeface="+mj-ea"/>
+                <a:cs typeface="+mj-cs"/>
+              </a:defRPr>
+            </a:lvl1pPr>
+          </a:lstStyle>
+          <a:p>
+            <a:r>
+              <a:rPr lang="fr-FR" smtClean="0"/>
+              <a:t>Création d'un interface graphique</a:t>
+            </a:r>
+            <a:endParaRPr lang="fr-FR" dirty="0"/>
+          </a:p>
+        </p:txBody>
+      </p:sp>
+      <p:sp>
+        <p:nvSpPr>
+          <p:cNvPr id="4" name="ZoneTexte 3"/>
+          <p:cNvSpPr txBox="1"/>
+          <p:nvPr/>
+        </p:nvSpPr>
+        <p:spPr>
+          <a:xfrm>
+            <a:off x="899592" y="1196752"/>
+            <a:ext cx="7560840" cy="369332"/>
+          </a:xfrm>
+          <a:prstGeom prst="rect">
+            <a:avLst/>
+          </a:prstGeom>
+          <a:noFill/>
+        </p:spPr>
+        <p:txBody>
+          <a:bodyPr wrap="square" rtlCol="0">
+            <a:spAutoFit/>
+          </a:bodyPr>
+          <a:lstStyle/>
+          <a:p>
+            <a:pPr marL="285750" indent="-285750">
+              <a:buFont typeface="Arial" panose="020B0604020202020204" pitchFamily="34" charset="0"/>
+              <a:buChar char="•"/>
+            </a:pPr>
+            <a:r>
+              <a:rPr lang="fr-FR" dirty="0" smtClean="0"/>
+              <a:t>Evolution avec des onglets : Les Trends et les sauvegardes</a:t>
+            </a:r>
+            <a:endParaRPr lang="fr-FR" dirty="0"/>
+          </a:p>
+        </p:txBody>
+      </p:sp>
+      <p:sp>
+        <p:nvSpPr>
+          <p:cNvPr id="6" name="Rectangle 5"/>
+          <p:cNvSpPr/>
+          <p:nvPr/>
+        </p:nvSpPr>
+        <p:spPr>
+          <a:xfrm>
+            <a:off x="1080408" y="2204864"/>
+            <a:ext cx="7164000" cy="4212000"/>
+          </a:xfrm>
+          <a:prstGeom prst="rect">
+            <a:avLst/>
+          </a:prstGeom>
+          <a:noFill/>
+          <a:ln w="25400">
+            <a:solidFill>
+              <a:srgbClr val="FF0000"/>
+            </a:solidFill>
+          </a:ln>
+        </p:spPr>
+        <p:style>
+          <a:lnRef idx="2">
+            <a:schemeClr val="accent1">
+              <a:shade val="50000"/>
+            </a:schemeClr>
+          </a:lnRef>
+          <a:fillRef idx="1">
+            <a:schemeClr val="accent1"/>
+          </a:fillRef>
+          <a:effectRef idx="0">
+            <a:schemeClr val="accent1"/>
+          </a:effectRef>
+          <a:fontRef idx="minor">
+            <a:schemeClr val="lt1"/>
+          </a:fontRef>
+        </p:style>
+        <p:txBody>
+          <a:bodyPr rtlCol="0" anchor="ctr"/>
+          <a:lstStyle/>
+          <a:p>
+            <a:pPr algn="ctr"/>
+            <a:endParaRPr lang="fr-FR"/>
+          </a:p>
+        </p:txBody>
+      </p:sp>
+      <p:sp>
+        <p:nvSpPr>
+          <p:cNvPr id="10" name="Rectangle 9"/>
+          <p:cNvSpPr/>
+          <p:nvPr/>
+        </p:nvSpPr>
+        <p:spPr>
+          <a:xfrm>
+            <a:off x="1044408" y="1988840"/>
+            <a:ext cx="7272000" cy="4536000"/>
+          </a:xfrm>
+          <a:prstGeom prst="rect">
+            <a:avLst/>
+          </a:prstGeom>
+          <a:noFill/>
+          <a:ln w="25400">
+            <a:solidFill>
+              <a:srgbClr val="0070C0"/>
+            </a:solidFill>
+          </a:ln>
+        </p:spPr>
+        <p:style>
+          <a:lnRef idx="2">
+            <a:schemeClr val="accent1">
+              <a:shade val="50000"/>
+            </a:schemeClr>
+          </a:lnRef>
+          <a:fillRef idx="1">
+            <a:schemeClr val="accent1"/>
+          </a:fillRef>
+          <a:effectRef idx="0">
+            <a:schemeClr val="accent1"/>
+          </a:effectRef>
+          <a:fontRef idx="minor">
+            <a:schemeClr val="lt1"/>
+          </a:fontRef>
+        </p:style>
+        <p:txBody>
+          <a:bodyPr rtlCol="0" anchor="ctr"/>
+          <a:lstStyle/>
+          <a:p>
+            <a:pPr algn="ctr"/>
+            <a:endParaRPr lang="fr-FR"/>
+          </a:p>
+        </p:txBody>
+      </p:sp>
+    </p:spTree>
+    <p:extLst>
+      <p:ext uri="{BB962C8B-B14F-4D97-AF65-F5344CB8AC3E}">
+        <p14:creationId xmlns:p14="http://schemas.microsoft.com/office/powerpoint/2010/main" val="1248279630"/>
+      </p:ext>
+    </p:extLst>
+  </p:cSld>
+  <p:clrMapOvr>
+    <a:masterClrMapping/>
+  </p:clrMapOvr>
+  <p:timing>
+    <p:tnLst>
+      <p:par>
+        <p:cTn id="1" dur="indefinite" restart="never" nodeType="tmRoot"/>
+      </p:par>
+    </p:tnLst>
+  </p:timing>
+</p:sld>
+</file>
+
+<file path=ppt/slides/slide9.xml><?xml version="1.0" encoding="utf-8"?>
+<p:sld xmlns:a="http://schemas.openxmlformats.org/drawingml/2006/main" xmlns:r="http://schemas.openxmlformats.org/officeDocument/2006/relationships" xmlns:p="http://schemas.openxmlformats.org/presentationml/2006/main">
+  <p:cSld>
+    <p:spTree>
+      <p:nvGrpSpPr>
+        <p:cNvPr id="1" name=""/>
+        <p:cNvGrpSpPr/>
+        <p:nvPr/>
+      </p:nvGrpSpPr>
+      <p:grpSpPr>
+        <a:xfrm>
+          <a:off x="0" y="0"/>
+          <a:ext cx="0" cy="0"/>
+          <a:chOff x="0" y="0"/>
+          <a:chExt cx="0" cy="0"/>
+        </a:xfrm>
+      </p:grpSpPr>
+      <p:pic>
+        <p:nvPicPr>
+          <p:cNvPr id="3" name="Image 2"/>
+          <p:cNvPicPr>
+            <a:picLocks noChangeAspect="1"/>
+          </p:cNvPicPr>
+          <p:nvPr/>
+        </p:nvPicPr>
+        <p:blipFill>
+          <a:blip r:embed="rId2">
+            <a:extLst>
+              <a:ext uri="{28A0092B-C50C-407E-A947-70E740481C1C}">
+                <a14:useLocalDpi xmlns:a14="http://schemas.microsoft.com/office/drawing/2010/main" val="0"/>
+              </a:ext>
+            </a:extLst>
+          </a:blip>
+          <a:stretch>
+            <a:fillRect/>
+          </a:stretch>
+        </p:blipFill>
+        <p:spPr>
+          <a:xfrm>
+            <a:off x="985112" y="1737203"/>
+            <a:ext cx="7405855" cy="4831192"/>
+          </a:xfrm>
+          <a:prstGeom prst="rect">
+            <a:avLst/>
+          </a:prstGeom>
+        </p:spPr>
+      </p:pic>
+      <p:sp>
+        <p:nvSpPr>
+          <p:cNvPr id="2" name="Titre 1"/>
+          <p:cNvSpPr txBox="1">
+            <a:spLocks/>
+          </p:cNvSpPr>
+          <p:nvPr/>
+        </p:nvSpPr>
+        <p:spPr>
+          <a:xfrm>
+            <a:off x="457200" y="274638"/>
+            <a:ext cx="8147248" cy="1143000"/>
+          </a:xfrm>
+          <a:prstGeom prst="rect">
+            <a:avLst/>
+          </a:prstGeom>
+        </p:spPr>
+        <p:txBody>
+          <a:bodyPr>
+            <a:normAutofit fontScale="90000"/>
+          </a:bodyPr>
+          <a:lstStyle>
+            <a:lvl1pPr algn="l" rtl="0" eaLnBrk="1" latinLnBrk="0" hangingPunct="1">
+              <a:spcBef>
+                <a:spcPct val="0"/>
+              </a:spcBef>
+              <a:buNone/>
+              <a:defRPr kumimoji="0" sz="4600" kern="1200">
+                <a:solidFill>
+                  <a:schemeClr val="tx1"/>
+                </a:solidFill>
+                <a:latin typeface="+mj-lt"/>
+                <a:ea typeface="+mj-ea"/>
+                <a:cs typeface="+mj-cs"/>
+              </a:defRPr>
+            </a:lvl1pPr>
+          </a:lstStyle>
+          <a:p>
+            <a:r>
+              <a:rPr lang="fr-FR" smtClean="0"/>
+              <a:t>Création d'un interface graphique</a:t>
+            </a:r>
+            <a:endParaRPr lang="fr-FR" dirty="0"/>
+          </a:p>
+        </p:txBody>
+      </p:sp>
+      <p:sp>
+        <p:nvSpPr>
+          <p:cNvPr id="4" name="ZoneTexte 3"/>
+          <p:cNvSpPr txBox="1"/>
+          <p:nvPr/>
+        </p:nvSpPr>
+        <p:spPr>
+          <a:xfrm>
+            <a:off x="899592" y="1196752"/>
+            <a:ext cx="7560840" cy="369332"/>
+          </a:xfrm>
+          <a:prstGeom prst="rect">
+            <a:avLst/>
+          </a:prstGeom>
+          <a:noFill/>
+        </p:spPr>
+        <p:txBody>
+          <a:bodyPr wrap="square" rtlCol="0">
+            <a:spAutoFit/>
+          </a:bodyPr>
+          <a:lstStyle/>
+          <a:p>
+            <a:pPr marL="285750" indent="-285750">
+              <a:buFont typeface="Arial" panose="020B0604020202020204" pitchFamily="34" charset="0"/>
+              <a:buChar char="•"/>
+            </a:pPr>
+            <a:r>
+              <a:rPr lang="fr-FR" dirty="0" smtClean="0"/>
+              <a:t>Evolution avec des onglets : Les Trends et les sauvegardes</a:t>
+            </a:r>
+            <a:endParaRPr lang="fr-FR" dirty="0"/>
+          </a:p>
+        </p:txBody>
+      </p:sp>
+      <p:sp>
+        <p:nvSpPr>
+          <p:cNvPr id="5" name="Rectangle 4"/>
+          <p:cNvSpPr/>
+          <p:nvPr/>
+        </p:nvSpPr>
+        <p:spPr>
+          <a:xfrm>
+            <a:off x="1331640" y="3861048"/>
+            <a:ext cx="1296144" cy="576064"/>
+          </a:xfrm>
+          <a:prstGeom prst="rect">
+            <a:avLst/>
+          </a:prstGeom>
+          <a:solidFill>
+            <a:schemeClr val="tx1"/>
+          </a:solidFill>
+        </p:spPr>
+        <p:style>
+          <a:lnRef idx="2">
+            <a:schemeClr val="accent1">
+              <a:shade val="50000"/>
+            </a:schemeClr>
+          </a:lnRef>
+          <a:fillRef idx="1">
+            <a:schemeClr val="accent1"/>
+          </a:fillRef>
+          <a:effectRef idx="0">
+            <a:schemeClr val="accent1"/>
+          </a:effectRef>
+          <a:fontRef idx="minor">
+            <a:schemeClr val="lt1"/>
+          </a:fontRef>
+        </p:style>
+        <p:txBody>
+          <a:bodyPr rtlCol="0" anchor="ctr"/>
+          <a:lstStyle/>
+          <a:p>
+            <a:pPr algn="ctr"/>
+            <a:r>
+              <a:rPr lang="fr-FR" dirty="0" smtClean="0">
+                <a:solidFill>
+                  <a:schemeClr val="bg1">
+                    <a:lumMod val="95000"/>
+                    <a:lumOff val="5000"/>
+                  </a:schemeClr>
+                </a:solidFill>
+              </a:rPr>
+              <a:t>Trends</a:t>
+            </a:r>
+            <a:endParaRPr lang="fr-FR" dirty="0">
+              <a:solidFill>
+                <a:schemeClr val="bg1">
+                  <a:lumMod val="95000"/>
+                  <a:lumOff val="5000"/>
+                </a:schemeClr>
+              </a:solidFill>
+            </a:endParaRPr>
+          </a:p>
+        </p:txBody>
+      </p:sp>
+      <p:sp>
+        <p:nvSpPr>
+          <p:cNvPr id="8" name="Rectangle 7"/>
+          <p:cNvSpPr/>
+          <p:nvPr/>
+        </p:nvSpPr>
+        <p:spPr>
+          <a:xfrm>
+            <a:off x="5004048" y="5085184"/>
+            <a:ext cx="1296144" cy="576064"/>
+          </a:xfrm>
+          <a:prstGeom prst="rect">
+            <a:avLst/>
+          </a:prstGeom>
+          <a:solidFill>
+            <a:schemeClr val="tx1"/>
+          </a:solidFill>
+        </p:spPr>
+        <p:style>
+          <a:lnRef idx="2">
+            <a:schemeClr val="accent1">
+              <a:shade val="50000"/>
+            </a:schemeClr>
+          </a:lnRef>
+          <a:fillRef idx="1">
+            <a:schemeClr val="accent1"/>
+          </a:fillRef>
+          <a:effectRef idx="0">
+            <a:schemeClr val="accent1"/>
+          </a:effectRef>
+          <a:fontRef idx="minor">
+            <a:schemeClr val="lt1"/>
+          </a:fontRef>
+        </p:style>
+        <p:txBody>
+          <a:bodyPr rtlCol="0" anchor="ctr"/>
+          <a:lstStyle/>
+          <a:p>
+            <a:pPr algn="ctr"/>
+            <a:r>
+              <a:rPr lang="fr-FR" dirty="0" smtClean="0">
+                <a:solidFill>
+                  <a:schemeClr val="bg1">
+                    <a:lumMod val="95000"/>
+                    <a:lumOff val="5000"/>
+                  </a:schemeClr>
+                </a:solidFill>
+              </a:rPr>
+              <a:t>Articles Bing</a:t>
+            </a:r>
+            <a:endParaRPr lang="fr-FR" dirty="0">
+              <a:solidFill>
+                <a:schemeClr val="bg1">
+                  <a:lumMod val="95000"/>
+                  <a:lumOff val="5000"/>
+                </a:schemeClr>
+              </a:solidFill>
+            </a:endParaRPr>
+          </a:p>
+        </p:txBody>
+      </p:sp>
+      <p:sp>
+        <p:nvSpPr>
+          <p:cNvPr id="9" name="Rectangle 8"/>
+          <p:cNvSpPr/>
+          <p:nvPr/>
+        </p:nvSpPr>
+        <p:spPr>
+          <a:xfrm>
+            <a:off x="7443006" y="5373216"/>
+            <a:ext cx="1596033" cy="709348"/>
+          </a:xfrm>
+          <a:prstGeom prst="rect">
+            <a:avLst/>
+          </a:prstGeom>
+          <a:solidFill>
+            <a:schemeClr val="tx1"/>
+          </a:solidFill>
+        </p:spPr>
+        <p:style>
+          <a:lnRef idx="2">
+            <a:schemeClr val="accent1">
+              <a:shade val="50000"/>
+            </a:schemeClr>
+          </a:lnRef>
+          <a:fillRef idx="1">
+            <a:schemeClr val="accent1"/>
+          </a:fillRef>
+          <a:effectRef idx="0">
+            <a:schemeClr val="accent1"/>
+          </a:effectRef>
+          <a:fontRef idx="minor">
+            <a:schemeClr val="lt1"/>
+          </a:fontRef>
+        </p:style>
+        <p:txBody>
+          <a:bodyPr rtlCol="0" anchor="ctr"/>
+          <a:lstStyle/>
+          <a:p>
+            <a:pPr algn="ctr"/>
+            <a:r>
+              <a:rPr lang="fr-FR" dirty="0" smtClean="0">
+                <a:solidFill>
+                  <a:schemeClr val="bg1">
+                    <a:lumMod val="95000"/>
+                    <a:lumOff val="5000"/>
+                  </a:schemeClr>
+                </a:solidFill>
+              </a:rPr>
+              <a:t>Option sauvegarde</a:t>
+            </a:r>
+            <a:endParaRPr lang="fr-FR" dirty="0">
+              <a:solidFill>
+                <a:schemeClr val="bg1">
+                  <a:lumMod val="95000"/>
+                  <a:lumOff val="5000"/>
+                </a:schemeClr>
+              </a:solidFill>
+            </a:endParaRPr>
+          </a:p>
+        </p:txBody>
+      </p:sp>
+    </p:spTree>
+    <p:extLst>
+      <p:ext uri="{BB962C8B-B14F-4D97-AF65-F5344CB8AC3E}">
+        <p14:creationId xmlns:p14="http://schemas.microsoft.com/office/powerpoint/2010/main" val="1340436392"/>
+      </p:ext>
+    </p:extLst>
+  </p:cSld>
+  <p:clrMapOvr>
+    <a:masterClrMapping/>
+  </p:clrMapOvr>
+  <p:timing>
+    <p:tnLst>
+      <p:par>
+        <p:cTn id="1" dur="indefinite" restart="never" nodeType="tmRoot"/>
+      </p:par>
+    </p:tnLst>
+  </p:timing>
 </p:sld>
 </file>
 

--- a/Java_Slides.pptx
+++ b/Java_Slides.pptx
@@ -9,9 +9,13 @@
     <p:sldId id="257" r:id="rId3"/>
     <p:sldId id="258" r:id="rId4"/>
     <p:sldId id="259" r:id="rId5"/>
-    <p:sldId id="260" r:id="rId6"/>
-    <p:sldId id="261" r:id="rId7"/>
-    <p:sldId id="262" r:id="rId8"/>
+    <p:sldId id="263" r:id="rId6"/>
+    <p:sldId id="264" r:id="rId7"/>
+    <p:sldId id="265" r:id="rId8"/>
+    <p:sldId id="266" r:id="rId9"/>
+    <p:sldId id="260" r:id="rId10"/>
+    <p:sldId id="261" r:id="rId11"/>
+    <p:sldId id="262" r:id="rId12"/>
   </p:sldIdLst>
   <p:sldSz cx="9144000" cy="6858000" type="screen4x3"/>
   <p:notesSz cx="6858000" cy="9144000"/>
@@ -497,7 +501,7 @@
           <a:p>
             <a:fld id="{AA309A6D-C09C-4548-B29A-6CF363A7E532}" type="datetimeFigureOut">
               <a:rPr lang="fr-FR" smtClean="0"/>
-              <a:t>30/12/2014</a:t>
+              <a:t>10/01/2015</a:t>
             </a:fld>
             <a:endParaRPr lang="fr-BE"/>
           </a:p>
@@ -662,7 +666,7 @@
           <a:p>
             <a:fld id="{AA309A6D-C09C-4548-B29A-6CF363A7E532}" type="datetimeFigureOut">
               <a:rPr lang="fr-FR" smtClean="0"/>
-              <a:t>30/12/2014</a:t>
+              <a:t>10/01/2015</a:t>
             </a:fld>
             <a:endParaRPr lang="fr-BE"/>
           </a:p>
@@ -837,7 +841,7 @@
           <a:p>
             <a:fld id="{AA309A6D-C09C-4548-B29A-6CF363A7E532}" type="datetimeFigureOut">
               <a:rPr lang="fr-FR" smtClean="0"/>
-              <a:t>30/12/2014</a:t>
+              <a:t>10/01/2015</a:t>
             </a:fld>
             <a:endParaRPr lang="fr-BE"/>
           </a:p>
@@ -1006,7 +1010,7 @@
           <a:p>
             <a:fld id="{AA309A6D-C09C-4548-B29A-6CF363A7E532}" type="datetimeFigureOut">
               <a:rPr lang="fr-FR" smtClean="0"/>
-              <a:t>30/12/2014</a:t>
+              <a:t>10/01/2015</a:t>
             </a:fld>
             <a:endParaRPr lang="fr-BE"/>
           </a:p>
@@ -1461,7 +1465,7 @@
           <a:p>
             <a:fld id="{AA309A6D-C09C-4548-B29A-6CF363A7E532}" type="datetimeFigureOut">
               <a:rPr lang="fr-FR" smtClean="0"/>
-              <a:t>30/12/2014</a:t>
+              <a:t>10/01/2015</a:t>
             </a:fld>
             <a:endParaRPr lang="fr-BE"/>
           </a:p>
@@ -1725,7 +1729,7 @@
           <a:p>
             <a:fld id="{AA309A6D-C09C-4548-B29A-6CF363A7E532}" type="datetimeFigureOut">
               <a:rPr lang="fr-FR" smtClean="0"/>
-              <a:t>30/12/2014</a:t>
+              <a:t>10/01/2015</a:t>
             </a:fld>
             <a:endParaRPr lang="fr-BE"/>
           </a:p>
@@ -2099,7 +2103,7 @@
           <a:p>
             <a:fld id="{AA309A6D-C09C-4548-B29A-6CF363A7E532}" type="datetimeFigureOut">
               <a:rPr lang="fr-FR" smtClean="0"/>
-              <a:t>30/12/2014</a:t>
+              <a:t>10/01/2015</a:t>
             </a:fld>
             <a:endParaRPr lang="fr-BE"/>
           </a:p>
@@ -2221,7 +2225,7 @@
           <a:p>
             <a:fld id="{AA309A6D-C09C-4548-B29A-6CF363A7E532}" type="datetimeFigureOut">
               <a:rPr lang="fr-FR" smtClean="0"/>
-              <a:t>30/12/2014</a:t>
+              <a:t>10/01/2015</a:t>
             </a:fld>
             <a:endParaRPr lang="fr-BE"/>
           </a:p>
@@ -2311,7 +2315,7 @@
           <a:p>
             <a:fld id="{AA309A6D-C09C-4548-B29A-6CF363A7E532}" type="datetimeFigureOut">
               <a:rPr lang="fr-FR" smtClean="0"/>
-              <a:t>30/12/2014</a:t>
+              <a:t>10/01/2015</a:t>
             </a:fld>
             <a:endParaRPr lang="fr-BE"/>
           </a:p>
@@ -2560,7 +2564,7 @@
           <a:p>
             <a:fld id="{AA309A6D-C09C-4548-B29A-6CF363A7E532}" type="datetimeFigureOut">
               <a:rPr lang="fr-FR" smtClean="0"/>
-              <a:t>30/12/2014</a:t>
+              <a:t>10/01/2015</a:t>
             </a:fld>
             <a:endParaRPr lang="fr-BE"/>
           </a:p>
@@ -2819,7 +2823,7 @@
           <a:p>
             <a:fld id="{AA309A6D-C09C-4548-B29A-6CF363A7E532}" type="datetimeFigureOut">
               <a:rPr lang="fr-FR" smtClean="0"/>
-              <a:t>30/12/2014</a:t>
+              <a:t>10/01/2015</a:t>
             </a:fld>
             <a:endParaRPr lang="fr-BE"/>
           </a:p>
@@ -3223,7 +3227,7 @@
           <a:p>
             <a:fld id="{AA309A6D-C09C-4548-B29A-6CF363A7E532}" type="datetimeFigureOut">
               <a:rPr lang="fr-FR" smtClean="0"/>
-              <a:t>30/12/2014</a:t>
+              <a:t>10/01/2015</a:t>
             </a:fld>
             <a:endParaRPr lang="fr-BE"/>
           </a:p>
@@ -3736,6 +3740,114 @@
 </p:sld>
 </file>
 
+<file path=ppt/slides/slide10.xml><?xml version="1.0" encoding="utf-8"?>
+<p:sld xmlns:a="http://schemas.openxmlformats.org/drawingml/2006/main" xmlns:r="http://schemas.openxmlformats.org/officeDocument/2006/relationships" xmlns:p="http://schemas.openxmlformats.org/presentationml/2006/main">
+  <p:cSld>
+    <p:spTree>
+      <p:nvGrpSpPr>
+        <p:cNvPr id="1" name=""/>
+        <p:cNvGrpSpPr/>
+        <p:nvPr/>
+      </p:nvGrpSpPr>
+      <p:grpSpPr>
+        <a:xfrm>
+          <a:off x="0" y="0"/>
+          <a:ext cx="0" cy="0"/>
+          <a:chOff x="0" y="0"/>
+          <a:chExt cx="0" cy="0"/>
+        </a:xfrm>
+      </p:grpSpPr>
+      <p:sp>
+        <p:nvSpPr>
+          <p:cNvPr id="2" name="Titre 1"/>
+          <p:cNvSpPr>
+            <a:spLocks noGrp="1"/>
+          </p:cNvSpPr>
+          <p:nvPr>
+            <p:ph type="title"/>
+          </p:nvPr>
+        </p:nvSpPr>
+        <p:spPr/>
+        <p:txBody>
+          <a:bodyPr/>
+          <a:lstStyle/>
+          <a:p>
+            <a:r>
+              <a:rPr lang="fr-FR" dirty="0" smtClean="0"/>
+              <a:t>IV – Démonstration</a:t>
+            </a:r>
+            <a:endParaRPr lang="fr-FR" dirty="0"/>
+          </a:p>
+        </p:txBody>
+      </p:sp>
+    </p:spTree>
+    <p:extLst>
+      <p:ext uri="{BB962C8B-B14F-4D97-AF65-F5344CB8AC3E}">
+        <p14:creationId xmlns:p14="http://schemas.microsoft.com/office/powerpoint/2010/main" val="3268911496"/>
+      </p:ext>
+    </p:extLst>
+  </p:cSld>
+  <p:clrMapOvr>
+    <a:masterClrMapping/>
+  </p:clrMapOvr>
+</p:sld>
+</file>
+
+<file path=ppt/slides/slide11.xml><?xml version="1.0" encoding="utf-8"?>
+<p:sld xmlns:a="http://schemas.openxmlformats.org/drawingml/2006/main" xmlns:r="http://schemas.openxmlformats.org/officeDocument/2006/relationships" xmlns:p="http://schemas.openxmlformats.org/presentationml/2006/main">
+  <p:cSld>
+    <p:spTree>
+      <p:nvGrpSpPr>
+        <p:cNvPr id="1" name=""/>
+        <p:cNvGrpSpPr/>
+        <p:nvPr/>
+      </p:nvGrpSpPr>
+      <p:grpSpPr>
+        <a:xfrm>
+          <a:off x="0" y="0"/>
+          <a:ext cx="0" cy="0"/>
+          <a:chOff x="0" y="0"/>
+          <a:chExt cx="0" cy="0"/>
+        </a:xfrm>
+      </p:grpSpPr>
+      <p:sp>
+        <p:nvSpPr>
+          <p:cNvPr id="2" name="Titre 1"/>
+          <p:cNvSpPr>
+            <a:spLocks noGrp="1"/>
+          </p:cNvSpPr>
+          <p:nvPr>
+            <p:ph type="title"/>
+          </p:nvPr>
+        </p:nvSpPr>
+        <p:spPr/>
+        <p:txBody>
+          <a:bodyPr>
+            <a:normAutofit fontScale="90000"/>
+          </a:bodyPr>
+          <a:lstStyle/>
+          <a:p>
+            <a:r>
+              <a:rPr lang="fr-FR" dirty="0" smtClean="0"/>
+              <a:t>V – Retour critique / feedback</a:t>
+            </a:r>
+            <a:endParaRPr lang="fr-FR" dirty="0"/>
+          </a:p>
+        </p:txBody>
+      </p:sp>
+    </p:spTree>
+    <p:extLst>
+      <p:ext uri="{BB962C8B-B14F-4D97-AF65-F5344CB8AC3E}">
+        <p14:creationId xmlns:p14="http://schemas.microsoft.com/office/powerpoint/2010/main" val="1795044551"/>
+      </p:ext>
+    </p:extLst>
+  </p:cSld>
+  <p:clrMapOvr>
+    <a:masterClrMapping/>
+  </p:clrMapOvr>
+</p:sld>
+</file>
+
 <file path=ppt/slides/slide2.xml><?xml version="1.0" encoding="utf-8"?>
 <p:sld xmlns:a="http://schemas.openxmlformats.org/drawingml/2006/main" xmlns:r="http://schemas.openxmlformats.org/officeDocument/2006/relationships" xmlns:p="http://schemas.openxmlformats.org/presentationml/2006/main">
   <p:cSld>
@@ -4142,113 +4254,109 @@
           <a:lstStyle/>
           <a:p>
             <a:r>
-              <a:rPr lang="fr-FR" dirty="0" smtClean="0"/>
-              <a:t>III – Démarche projet</a:t>
-            </a:r>
-            <a:endParaRPr lang="fr-FR" dirty="0"/>
-          </a:p>
-        </p:txBody>
-      </p:sp>
-      <p:sp>
-        <p:nvSpPr>
-          <p:cNvPr id="4" name="ZoneTexte 3"/>
-          <p:cNvSpPr txBox="1"/>
-          <p:nvPr/>
+              <a:rPr lang="fr-FR" dirty="0"/>
+              <a:t>II - Conception version finale</a:t>
+            </a:r>
+          </a:p>
+        </p:txBody>
+      </p:sp>
+      <p:sp>
+        <p:nvSpPr>
+          <p:cNvPr id="3" name="Espace réservé du contenu 2"/>
+          <p:cNvSpPr>
+            <a:spLocks noGrp="1"/>
+          </p:cNvSpPr>
+          <p:nvPr>
+            <p:ph idx="1"/>
+          </p:nvPr>
         </p:nvSpPr>
         <p:spPr>
           <a:xfrm>
-            <a:off x="971600" y="1988840"/>
-            <a:ext cx="6696744" cy="1477328"/>
+            <a:off x="107504" y="1600200"/>
+            <a:ext cx="9036496" cy="4525963"/>
           </a:xfrm>
-          <a:prstGeom prst="rect">
-            <a:avLst/>
-          </a:prstGeom>
-          <a:noFill/>
         </p:spPr>
         <p:txBody>
-          <a:bodyPr wrap="square" rtlCol="0">
-            <a:spAutoFit/>
-          </a:bodyPr>
-          <a:lstStyle/>
-          <a:p>
-            <a:pPr marL="342900" indent="-342900">
-              <a:buFontTx/>
-              <a:buAutoNum type="alphaLcParenR"/>
+          <a:bodyPr/>
+          <a:lstStyle/>
+          <a:p>
+            <a:pPr lvl="1"/>
+            <a:endParaRPr lang="fr-FR" sz="2400" b="1" dirty="0" smtClean="0"/>
+          </a:p>
+          <a:p>
+            <a:pPr lvl="1"/>
+            <a:r>
+              <a:rPr lang="fr-FR" sz="2400" b="1" dirty="0" smtClean="0"/>
+              <a:t>Classe </a:t>
+            </a:r>
+            <a:r>
+              <a:rPr lang="fr-FR" sz="2400" b="1" dirty="0" err="1"/>
+              <a:t>Database</a:t>
+            </a:r>
+            <a:r>
+              <a:rPr lang="fr-FR" sz="2400" b="1" dirty="0" smtClean="0"/>
+              <a:t>:</a:t>
+            </a:r>
+          </a:p>
+          <a:p>
+            <a:pPr marL="448056" lvl="1" indent="0">
+              <a:buNone/>
             </a:pPr>
-            <a:r>
-              <a:rPr lang="fr-FR" dirty="0" smtClean="0"/>
-              <a:t>Organisation équipe </a:t>
-            </a:r>
-            <a:r>
-              <a:rPr lang="fr-FR" dirty="0" smtClean="0">
-                <a:sym typeface="Wingdings" panose="05000000000000000000" pitchFamily="2" charset="2"/>
-              </a:rPr>
-              <a:t> suivre </a:t>
-            </a:r>
-            <a:r>
-              <a:rPr lang="fr-FR" dirty="0">
-                <a:sym typeface="Wingdings" panose="05000000000000000000" pitchFamily="2" charset="2"/>
-              </a:rPr>
-              <a:t>les user </a:t>
-            </a:r>
-            <a:r>
-              <a:rPr lang="fr-FR" dirty="0" smtClean="0">
-                <a:sym typeface="Wingdings" panose="05000000000000000000" pitchFamily="2" charset="2"/>
-              </a:rPr>
-              <a:t>stories</a:t>
-            </a:r>
-            <a:endParaRPr lang="fr-FR" dirty="0" smtClean="0"/>
-          </a:p>
-          <a:p>
-            <a:pPr marL="342900" indent="-342900">
-              <a:buAutoNum type="alphaLcParenR"/>
-            </a:pPr>
-            <a:r>
-              <a:rPr lang="fr-FR" dirty="0" smtClean="0"/>
-              <a:t>Organisation projet </a:t>
-            </a:r>
-            <a:r>
-              <a:rPr lang="fr-FR" dirty="0" smtClean="0">
-                <a:sym typeface="Wingdings" panose="05000000000000000000" pitchFamily="2" charset="2"/>
-              </a:rPr>
-              <a:t> suivre les user stories</a:t>
-            </a:r>
-            <a:endParaRPr lang="fr-FR" dirty="0" smtClean="0"/>
-          </a:p>
-          <a:p>
-            <a:pPr marL="342900" indent="-342900">
-              <a:buAutoNum type="alphaLcParenR"/>
-            </a:pPr>
-            <a:r>
-              <a:rPr lang="fr-FR" dirty="0" smtClean="0"/>
-              <a:t>Les tâches</a:t>
-            </a:r>
-          </a:p>
-          <a:p>
-            <a:pPr marL="342900" indent="-342900">
-              <a:buAutoNum type="alphaLcParenR"/>
-            </a:pPr>
-            <a:r>
-              <a:rPr lang="fr-FR" dirty="0" smtClean="0"/>
-              <a:t>Les outils</a:t>
-            </a:r>
-          </a:p>
-          <a:p>
-            <a:pPr marL="342900" indent="-342900">
-              <a:buAutoNum type="alphaLcParenR"/>
-            </a:pPr>
-            <a:r>
-              <a:rPr lang="fr-FR" dirty="0" smtClean="0"/>
-              <a:t>Le temps</a:t>
-            </a:r>
-            <a:endParaRPr lang="fr-FR" dirty="0"/>
+            <a:endParaRPr lang="fr-FR" sz="1500" dirty="0"/>
+          </a:p>
+          <a:p>
+            <a:pPr lvl="2"/>
+            <a:r>
+              <a:rPr lang="fr-FR" sz="2000" dirty="0"/>
+              <a:t>Créer la base de données si elle ne l’est pas déjà </a:t>
+            </a:r>
+            <a:endParaRPr lang="fr-FR" sz="2000" dirty="0" smtClean="0"/>
+          </a:p>
+          <a:p>
+            <a:pPr lvl="2"/>
+            <a:endParaRPr lang="fr-FR" sz="2000" dirty="0"/>
+          </a:p>
+          <a:p>
+            <a:pPr lvl="2"/>
+            <a:r>
+              <a:rPr lang="fr-FR" sz="2000" dirty="0"/>
+              <a:t>Gérer l’ajour, la suppression, la </a:t>
+            </a:r>
+            <a:r>
+              <a:rPr lang="fr-FR" sz="2000" dirty="0" smtClean="0"/>
+              <a:t>modification</a:t>
+            </a:r>
+          </a:p>
+          <a:p>
+            <a:pPr lvl="2"/>
+            <a:endParaRPr lang="fr-FR" sz="2000" dirty="0"/>
+          </a:p>
+          <a:p>
+            <a:pPr lvl="2"/>
+            <a:r>
+              <a:rPr lang="fr-FR" sz="2000" dirty="0"/>
+              <a:t>Vérifier si un utilisateur existe déjà </a:t>
+            </a:r>
+            <a:endParaRPr lang="fr-FR" sz="2000" dirty="0" smtClean="0"/>
+          </a:p>
+          <a:p>
+            <a:pPr lvl="2"/>
+            <a:endParaRPr lang="fr-FR" sz="2000" dirty="0"/>
+          </a:p>
+          <a:p>
+            <a:pPr lvl="2"/>
+            <a:r>
+              <a:rPr lang="fr-FR" sz="2000" dirty="0"/>
+              <a:t>Interagir avec l’interface graphique. </a:t>
+            </a:r>
+            <a:endParaRPr lang="fr-FR" sz="2000" dirty="0" smtClean="0"/>
           </a:p>
         </p:txBody>
       </p:sp>
     </p:spTree>
     <p:extLst>
       <p:ext uri="{BB962C8B-B14F-4D97-AF65-F5344CB8AC3E}">
-        <p14:creationId xmlns:p14="http://schemas.microsoft.com/office/powerpoint/2010/main" val="3513345393"/>
+        <p14:creationId xmlns:p14="http://schemas.microsoft.com/office/powerpoint/2010/main" val="2606740586"/>
       </p:ext>
     </p:extLst>
   </p:cSld>
@@ -4291,17 +4399,206 @@
           <a:lstStyle/>
           <a:p>
             <a:r>
-              <a:rPr lang="fr-FR" dirty="0" smtClean="0"/>
-              <a:t>IV – Démonstration</a:t>
-            </a:r>
+              <a:rPr lang="fr-FR" dirty="0"/>
+              <a:t>II - Conception version finale</a:t>
+            </a:r>
+          </a:p>
+        </p:txBody>
+      </p:sp>
+      <p:sp>
+        <p:nvSpPr>
+          <p:cNvPr id="3" name="Espace réservé du contenu 2"/>
+          <p:cNvSpPr>
+            <a:spLocks noGrp="1"/>
+          </p:cNvSpPr>
+          <p:nvPr>
+            <p:ph idx="1"/>
+          </p:nvPr>
+        </p:nvSpPr>
+        <p:spPr/>
+        <p:txBody>
+          <a:bodyPr/>
+          <a:lstStyle/>
+          <a:p>
+            <a:r>
+              <a:rPr lang="fr-FR" sz="2400" b="1" dirty="0"/>
+              <a:t>Base de données:</a:t>
+            </a:r>
+          </a:p>
+          <a:p>
+            <a:pPr marL="36576" indent="0">
+              <a:buNone/>
+            </a:pPr>
+            <a:r>
+              <a:rPr lang="fr-FR" sz="2400" b="1" dirty="0"/>
+              <a:t> </a:t>
+            </a:r>
+          </a:p>
+          <a:p>
+            <a:pPr lvl="1"/>
+            <a:r>
+              <a:rPr lang="fr-FR" sz="2000" b="1" dirty="0"/>
+              <a:t>Table USERS</a:t>
+            </a:r>
+            <a:r>
+              <a:rPr lang="fr-FR" sz="1500" dirty="0"/>
+              <a:t>:</a:t>
+            </a:r>
+          </a:p>
+          <a:p>
+            <a:pPr lvl="2"/>
+            <a:r>
+              <a:rPr lang="fr-FR" sz="2000" dirty="0"/>
+              <a:t>Identifiant: (VARCHAR)</a:t>
+            </a:r>
+          </a:p>
+          <a:p>
+            <a:pPr lvl="2"/>
+            <a:r>
+              <a:rPr lang="fr-FR" sz="2000" dirty="0"/>
+              <a:t>Mot de passe</a:t>
+            </a:r>
+            <a:r>
+              <a:rPr lang="fr-FR" sz="2000" dirty="0">
+                <a:sym typeface="Wingdings" panose="05000000000000000000" pitchFamily="2" charset="2"/>
+              </a:rPr>
+              <a:t>: (VARCHAR)</a:t>
+            </a:r>
+            <a:endParaRPr lang="fr-FR" sz="2000" dirty="0"/>
+          </a:p>
+          <a:p>
             <a:endParaRPr lang="fr-FR" dirty="0"/>
           </a:p>
         </p:txBody>
       </p:sp>
+      <p:graphicFrame>
+        <p:nvGraphicFramePr>
+          <p:cNvPr id="4" name="Tableau 3"/>
+          <p:cNvGraphicFramePr>
+            <a:graphicFrameLocks noGrp="1"/>
+          </p:cNvGraphicFramePr>
+          <p:nvPr>
+            <p:extLst>
+              <p:ext uri="{D42A27DB-BD31-4B8C-83A1-F6EECF244321}">
+                <p14:modId xmlns:p14="http://schemas.microsoft.com/office/powerpoint/2010/main" val="2232290329"/>
+              </p:ext>
+            </p:extLst>
+          </p:nvPr>
+        </p:nvGraphicFramePr>
+        <p:xfrm>
+          <a:off x="1475656" y="4221088"/>
+          <a:ext cx="6096000" cy="1112520"/>
+        </p:xfrm>
+        <a:graphic>
+          <a:graphicData uri="http://schemas.openxmlformats.org/drawingml/2006/table">
+            <a:tbl>
+              <a:tblPr firstRow="1" bandRow="1">
+                <a:tableStyleId>{5C22544A-7EE6-4342-B048-85BDC9FD1C3A}</a:tableStyleId>
+              </a:tblPr>
+              <a:tblGrid>
+                <a:gridCol w="3048000"/>
+                <a:gridCol w="3048000"/>
+              </a:tblGrid>
+              <a:tr h="370840">
+                <a:tc>
+                  <a:txBody>
+                    <a:bodyPr/>
+                    <a:lstStyle/>
+                    <a:p>
+                      <a:pPr algn="ctr"/>
+                      <a:r>
+                        <a:rPr lang="fr-FR" dirty="0" smtClean="0"/>
+                        <a:t>Identifiant</a:t>
+                      </a:r>
+                      <a:endParaRPr lang="fr-FR" dirty="0"/>
+                    </a:p>
+                  </a:txBody>
+                  <a:tcPr/>
+                </a:tc>
+                <a:tc>
+                  <a:txBody>
+                    <a:bodyPr/>
+                    <a:lstStyle/>
+                    <a:p>
+                      <a:pPr algn="ctr"/>
+                      <a:r>
+                        <a:rPr lang="fr-FR" dirty="0" smtClean="0"/>
+                        <a:t>MDP</a:t>
+                      </a:r>
+                      <a:endParaRPr lang="fr-FR" dirty="0"/>
+                    </a:p>
+                  </a:txBody>
+                  <a:tcPr/>
+                </a:tc>
+              </a:tr>
+              <a:tr h="370840">
+                <a:tc>
+                  <a:txBody>
+                    <a:bodyPr/>
+                    <a:lstStyle/>
+                    <a:p>
+                      <a:r>
+                        <a:rPr lang="fr-FR" dirty="0" err="1" smtClean="0"/>
+                        <a:t>Admin</a:t>
+                      </a:r>
+                      <a:endParaRPr lang="fr-FR" dirty="0"/>
+                    </a:p>
+                  </a:txBody>
+                  <a:tcPr/>
+                </a:tc>
+                <a:tc>
+                  <a:txBody>
+                    <a:bodyPr/>
+                    <a:lstStyle/>
+                    <a:p>
+                      <a:r>
+                        <a:rPr lang="fr-FR" dirty="0" err="1" smtClean="0"/>
+                        <a:t>Admin</a:t>
+                      </a:r>
+                      <a:endParaRPr lang="fr-FR" dirty="0"/>
+                    </a:p>
+                  </a:txBody>
+                  <a:tcPr/>
+                </a:tc>
+              </a:tr>
+              <a:tr h="370840">
+                <a:tc>
+                  <a:txBody>
+                    <a:bodyPr/>
+                    <a:lstStyle/>
+                    <a:p>
+                      <a:r>
+                        <a:rPr lang="fr-FR" dirty="0" smtClean="0"/>
+                        <a:t>Alice</a:t>
+                      </a:r>
+                      <a:endParaRPr lang="fr-FR" dirty="0"/>
+                    </a:p>
+                  </a:txBody>
+                  <a:tcPr/>
+                </a:tc>
+                <a:tc>
+                  <a:txBody>
+                    <a:bodyPr/>
+                    <a:lstStyle/>
+                    <a:p>
+                      <a:r>
+                        <a:rPr lang="fr-FR" dirty="0" err="1" smtClean="0"/>
+                        <a:t>alice</a:t>
+                      </a:r>
+                      <a:endParaRPr lang="fr-FR" dirty="0"/>
+                    </a:p>
+                  </a:txBody>
+                  <a:tcPr/>
+                </a:tc>
+              </a:tr>
+            </a:tbl>
+          </a:graphicData>
+        </a:graphic>
+      </p:graphicFrame>
     </p:spTree>
     <p:extLst>
       <p:ext uri="{BB962C8B-B14F-4D97-AF65-F5344CB8AC3E}">
-        <p14:creationId xmlns:p14="http://schemas.microsoft.com/office/powerpoint/2010/main" val="3268911496"/>
+        <p14:creationId xmlns:p14="http://schemas.microsoft.com/office/powerpoint/2010/main" val="3776312355"/>
       </p:ext>
     </p:extLst>
   </p:cSld>
@@ -4340,23 +4637,656 @@
         </p:nvSpPr>
         <p:spPr/>
         <p:txBody>
-          <a:bodyPr>
-            <a:normAutofit fontScale="90000"/>
-          </a:bodyPr>
-          <a:lstStyle/>
-          <a:p>
-            <a:r>
-              <a:rPr lang="fr-FR" dirty="0" smtClean="0"/>
-              <a:t>V – Retour critique / feedback</a:t>
-            </a:r>
+          <a:bodyPr/>
+          <a:lstStyle/>
+          <a:p>
+            <a:r>
+              <a:rPr lang="fr-FR" dirty="0"/>
+              <a:t>II - Conception version finale</a:t>
+            </a:r>
+          </a:p>
+        </p:txBody>
+      </p:sp>
+      <p:sp>
+        <p:nvSpPr>
+          <p:cNvPr id="3" name="Espace réservé du contenu 2"/>
+          <p:cNvSpPr>
+            <a:spLocks noGrp="1"/>
+          </p:cNvSpPr>
+          <p:nvPr>
+            <p:ph idx="1"/>
+          </p:nvPr>
+        </p:nvSpPr>
+        <p:spPr/>
+        <p:txBody>
+          <a:bodyPr/>
+          <a:lstStyle/>
+          <a:p>
+            <a:r>
+              <a:rPr lang="fr-FR" sz="2400" b="1" dirty="0"/>
+              <a:t>Base de données: </a:t>
+            </a:r>
+          </a:p>
+          <a:p>
+            <a:pPr marL="36576" indent="0">
+              <a:buNone/>
+            </a:pPr>
+            <a:endParaRPr lang="fr-FR" sz="2400" b="1" dirty="0"/>
+          </a:p>
+          <a:p>
+            <a:pPr lvl="1"/>
+            <a:r>
+              <a:rPr lang="fr-FR" sz="2000" dirty="0"/>
+              <a:t>Table FILES:</a:t>
+            </a:r>
+          </a:p>
+          <a:p>
+            <a:pPr lvl="2"/>
+            <a:r>
+              <a:rPr lang="fr-FR" sz="2000" dirty="0" err="1"/>
+              <a:t>NomFichier</a:t>
+            </a:r>
+            <a:r>
+              <a:rPr lang="fr-FR" sz="2000" dirty="0"/>
+              <a:t>: (VARCHAR)</a:t>
+            </a:r>
+          </a:p>
+          <a:p>
+            <a:pPr lvl="2"/>
+            <a:r>
+              <a:rPr lang="fr-FR" sz="2000" dirty="0">
+                <a:sym typeface="Wingdings" panose="05000000000000000000" pitchFamily="2" charset="2"/>
+              </a:rPr>
+              <a:t>Identifiant: (VARCHAR)</a:t>
+            </a:r>
+          </a:p>
+          <a:p>
+            <a:pPr marL="36576" indent="0">
+              <a:buNone/>
+            </a:pPr>
             <a:endParaRPr lang="fr-FR" dirty="0"/>
           </a:p>
         </p:txBody>
       </p:sp>
+      <p:graphicFrame>
+        <p:nvGraphicFramePr>
+          <p:cNvPr id="5" name="Tableau 4"/>
+          <p:cNvGraphicFramePr>
+            <a:graphicFrameLocks noGrp="1"/>
+          </p:cNvGraphicFramePr>
+          <p:nvPr>
+            <p:extLst>
+              <p:ext uri="{D42A27DB-BD31-4B8C-83A1-F6EECF244321}">
+                <p14:modId xmlns:p14="http://schemas.microsoft.com/office/powerpoint/2010/main" val="4143770033"/>
+              </p:ext>
+            </p:extLst>
+          </p:nvPr>
+        </p:nvGraphicFramePr>
+        <p:xfrm>
+          <a:off x="1691680" y="4221088"/>
+          <a:ext cx="6096000" cy="1107440"/>
+        </p:xfrm>
+        <a:graphic>
+          <a:graphicData uri="http://schemas.openxmlformats.org/drawingml/2006/table">
+            <a:tbl>
+              <a:tblPr firstRow="1" bandRow="1">
+                <a:tableStyleId>{5C22544A-7EE6-4342-B048-85BDC9FD1C3A}</a:tableStyleId>
+              </a:tblPr>
+              <a:tblGrid>
+                <a:gridCol w="3048000"/>
+                <a:gridCol w="3048000"/>
+              </a:tblGrid>
+              <a:tr h="298832">
+                <a:tc>
+                  <a:txBody>
+                    <a:bodyPr/>
+                    <a:lstStyle/>
+                    <a:p>
+                      <a:pPr algn="ctr"/>
+                      <a:r>
+                        <a:rPr lang="fr-FR" dirty="0" err="1" smtClean="0"/>
+                        <a:t>NomFichier</a:t>
+                      </a:r>
+                      <a:endParaRPr lang="fr-FR" dirty="0"/>
+                    </a:p>
+                  </a:txBody>
+                  <a:tcPr/>
+                </a:tc>
+                <a:tc>
+                  <a:txBody>
+                    <a:bodyPr/>
+                    <a:lstStyle/>
+                    <a:p>
+                      <a:pPr algn="ctr"/>
+                      <a:r>
+                        <a:rPr lang="fr-FR" dirty="0" smtClean="0"/>
+                        <a:t>Identifiant</a:t>
+                      </a:r>
+                      <a:endParaRPr lang="fr-FR" dirty="0"/>
+                    </a:p>
+                  </a:txBody>
+                  <a:tcPr/>
+                </a:tc>
+              </a:tr>
+              <a:tr h="370840">
+                <a:tc>
+                  <a:txBody>
+                    <a:bodyPr/>
+                    <a:lstStyle/>
+                    <a:p>
+                      <a:r>
+                        <a:rPr lang="fr-FR" dirty="0" smtClean="0"/>
+                        <a:t>Noel</a:t>
+                      </a:r>
+                      <a:endParaRPr lang="fr-FR" dirty="0"/>
+                    </a:p>
+                  </a:txBody>
+                  <a:tcPr/>
+                </a:tc>
+                <a:tc>
+                  <a:txBody>
+                    <a:bodyPr/>
+                    <a:lstStyle/>
+                    <a:p>
+                      <a:r>
+                        <a:rPr lang="fr-FR" dirty="0" err="1" smtClean="0"/>
+                        <a:t>Admin</a:t>
+                      </a:r>
+                      <a:endParaRPr lang="fr-FR" dirty="0"/>
+                    </a:p>
+                  </a:txBody>
+                  <a:tcPr/>
+                </a:tc>
+              </a:tr>
+              <a:tr h="370840">
+                <a:tc>
+                  <a:txBody>
+                    <a:bodyPr/>
+                    <a:lstStyle/>
+                    <a:p>
+                      <a:r>
+                        <a:rPr lang="fr-FR" dirty="0" err="1" smtClean="0"/>
+                        <a:t>MTVStars</a:t>
+                      </a:r>
+                      <a:endParaRPr lang="fr-FR" dirty="0"/>
+                    </a:p>
+                  </a:txBody>
+                  <a:tcPr/>
+                </a:tc>
+                <a:tc>
+                  <a:txBody>
+                    <a:bodyPr/>
+                    <a:lstStyle/>
+                    <a:p>
+                      <a:r>
+                        <a:rPr lang="fr-FR" dirty="0" err="1" smtClean="0"/>
+                        <a:t>alice</a:t>
+                      </a:r>
+                      <a:endParaRPr lang="fr-FR" dirty="0"/>
+                    </a:p>
+                  </a:txBody>
+                  <a:tcPr/>
+                </a:tc>
+              </a:tr>
+            </a:tbl>
+          </a:graphicData>
+        </a:graphic>
+      </p:graphicFrame>
     </p:spTree>
     <p:extLst>
       <p:ext uri="{BB962C8B-B14F-4D97-AF65-F5344CB8AC3E}">
-        <p14:creationId xmlns:p14="http://schemas.microsoft.com/office/powerpoint/2010/main" val="1795044551"/>
+        <p14:creationId xmlns:p14="http://schemas.microsoft.com/office/powerpoint/2010/main" val="1885231069"/>
+      </p:ext>
+    </p:extLst>
+  </p:cSld>
+  <p:clrMapOvr>
+    <a:masterClrMapping/>
+  </p:clrMapOvr>
+</p:sld>
+</file>
+
+<file path=ppt/slides/slide8.xml><?xml version="1.0" encoding="utf-8"?>
+<p:sld xmlns:a="http://schemas.openxmlformats.org/drawingml/2006/main" xmlns:r="http://schemas.openxmlformats.org/officeDocument/2006/relationships" xmlns:p="http://schemas.openxmlformats.org/presentationml/2006/main">
+  <p:cSld>
+    <p:spTree>
+      <p:nvGrpSpPr>
+        <p:cNvPr id="1" name=""/>
+        <p:cNvGrpSpPr/>
+        <p:nvPr/>
+      </p:nvGrpSpPr>
+      <p:grpSpPr>
+        <a:xfrm>
+          <a:off x="0" y="0"/>
+          <a:ext cx="0" cy="0"/>
+          <a:chOff x="0" y="0"/>
+          <a:chExt cx="0" cy="0"/>
+        </a:xfrm>
+      </p:grpSpPr>
+      <p:sp>
+        <p:nvSpPr>
+          <p:cNvPr id="2" name="Titre 1"/>
+          <p:cNvSpPr>
+            <a:spLocks noGrp="1"/>
+          </p:cNvSpPr>
+          <p:nvPr>
+            <p:ph type="title"/>
+          </p:nvPr>
+        </p:nvSpPr>
+        <p:spPr/>
+        <p:txBody>
+          <a:bodyPr/>
+          <a:lstStyle/>
+          <a:p>
+            <a:r>
+              <a:rPr lang="fr-FR" dirty="0"/>
+              <a:t>II - Conception version finale</a:t>
+            </a:r>
+          </a:p>
+        </p:txBody>
+      </p:sp>
+      <p:graphicFrame>
+        <p:nvGraphicFramePr>
+          <p:cNvPr id="4" name="Espace réservé du contenu 3"/>
+          <p:cNvGraphicFramePr>
+            <a:graphicFrameLocks noGrp="1"/>
+          </p:cNvGraphicFramePr>
+          <p:nvPr>
+            <p:ph idx="1"/>
+            <p:extLst>
+              <p:ext uri="{D42A27DB-BD31-4B8C-83A1-F6EECF244321}">
+                <p14:modId xmlns:p14="http://schemas.microsoft.com/office/powerpoint/2010/main" val="2087404030"/>
+              </p:ext>
+            </p:extLst>
+          </p:nvPr>
+        </p:nvGraphicFramePr>
+        <p:xfrm>
+          <a:off x="6300192" y="4221088"/>
+          <a:ext cx="2056656" cy="889000"/>
+        </p:xfrm>
+        <a:graphic>
+          <a:graphicData uri="http://schemas.openxmlformats.org/drawingml/2006/table">
+            <a:tbl>
+              <a:tblPr firstRow="1" bandRow="1">
+                <a:tableStyleId>{5C22544A-7EE6-4342-B048-85BDC9FD1C3A}</a:tableStyleId>
+              </a:tblPr>
+              <a:tblGrid>
+                <a:gridCol w="2056656"/>
+              </a:tblGrid>
+              <a:tr h="370840">
+                <a:tc>
+                  <a:txBody>
+                    <a:bodyPr/>
+                    <a:lstStyle/>
+                    <a:p>
+                      <a:pPr algn="ctr"/>
+                      <a:r>
+                        <a:rPr lang="fr-FR" dirty="0" smtClean="0"/>
+                        <a:t>FILES</a:t>
+                      </a:r>
+                      <a:endParaRPr lang="fr-FR" dirty="0"/>
+                    </a:p>
+                  </a:txBody>
+                  <a:tcPr/>
+                </a:tc>
+              </a:tr>
+              <a:tr h="370840">
+                <a:tc>
+                  <a:txBody>
+                    <a:bodyPr/>
+                    <a:lstStyle/>
+                    <a:p>
+                      <a:r>
+                        <a:rPr lang="fr-FR" sz="1400" dirty="0" err="1" smtClean="0"/>
+                        <a:t>NomFichier</a:t>
+                      </a:r>
+                      <a:r>
+                        <a:rPr lang="fr-FR" sz="1400" dirty="0" smtClean="0"/>
+                        <a:t>: VARCHAR</a:t>
+                      </a:r>
+                    </a:p>
+                    <a:p>
+                      <a:r>
+                        <a:rPr lang="fr-FR" sz="1400" dirty="0" smtClean="0"/>
+                        <a:t>Identifiant: VARCHAR</a:t>
+                      </a:r>
+                      <a:endParaRPr lang="fr-FR" sz="1400" dirty="0"/>
+                    </a:p>
+                  </a:txBody>
+                  <a:tcPr/>
+                </a:tc>
+              </a:tr>
+            </a:tbl>
+          </a:graphicData>
+        </a:graphic>
+      </p:graphicFrame>
+      <p:graphicFrame>
+        <p:nvGraphicFramePr>
+          <p:cNvPr id="5" name="Tableau 4"/>
+          <p:cNvGraphicFramePr>
+            <a:graphicFrameLocks noGrp="1"/>
+          </p:cNvGraphicFramePr>
+          <p:nvPr>
+            <p:extLst>
+              <p:ext uri="{D42A27DB-BD31-4B8C-83A1-F6EECF244321}">
+                <p14:modId xmlns:p14="http://schemas.microsoft.com/office/powerpoint/2010/main" val="3622869477"/>
+              </p:ext>
+            </p:extLst>
+          </p:nvPr>
+        </p:nvGraphicFramePr>
+        <p:xfrm>
+          <a:off x="611560" y="2502841"/>
+          <a:ext cx="2039175" cy="889000"/>
+        </p:xfrm>
+        <a:graphic>
+          <a:graphicData uri="http://schemas.openxmlformats.org/drawingml/2006/table">
+            <a:tbl>
+              <a:tblPr firstRow="1" bandRow="1">
+                <a:tableStyleId>{5C22544A-7EE6-4342-B048-85BDC9FD1C3A}</a:tableStyleId>
+              </a:tblPr>
+              <a:tblGrid>
+                <a:gridCol w="2039175"/>
+              </a:tblGrid>
+              <a:tr h="370840">
+                <a:tc>
+                  <a:txBody>
+                    <a:bodyPr/>
+                    <a:lstStyle/>
+                    <a:p>
+                      <a:pPr algn="ctr"/>
+                      <a:r>
+                        <a:rPr lang="fr-FR" dirty="0" smtClean="0"/>
+                        <a:t>USERS</a:t>
+                      </a:r>
+                      <a:endParaRPr lang="fr-FR" dirty="0"/>
+                    </a:p>
+                  </a:txBody>
+                  <a:tcPr/>
+                </a:tc>
+              </a:tr>
+              <a:tr h="370840">
+                <a:tc>
+                  <a:txBody>
+                    <a:bodyPr/>
+                    <a:lstStyle/>
+                    <a:p>
+                      <a:r>
+                        <a:rPr lang="fr-FR" sz="1400" dirty="0" smtClean="0"/>
+                        <a:t>Identifiant: VARCHAR</a:t>
+                      </a:r>
+                    </a:p>
+                    <a:p>
+                      <a:r>
+                        <a:rPr lang="fr-FR" sz="1400" dirty="0" smtClean="0"/>
+                        <a:t>MDP:</a:t>
+                      </a:r>
+                      <a:r>
+                        <a:rPr lang="fr-FR" sz="1400" baseline="0" dirty="0" smtClean="0"/>
+                        <a:t> VARCHAR</a:t>
+                      </a:r>
+                      <a:endParaRPr lang="fr-FR" sz="1400" dirty="0"/>
+                    </a:p>
+                  </a:txBody>
+                  <a:tcPr/>
+                </a:tc>
+              </a:tr>
+            </a:tbl>
+          </a:graphicData>
+        </a:graphic>
+      </p:graphicFrame>
+      <p:cxnSp>
+        <p:nvCxnSpPr>
+          <p:cNvPr id="7" name="Connecteur en angle 6"/>
+          <p:cNvCxnSpPr/>
+          <p:nvPr/>
+        </p:nvCxnSpPr>
+        <p:spPr>
+          <a:xfrm>
+            <a:off x="2656028" y="2787321"/>
+            <a:ext cx="914400" cy="914400"/>
+          </a:xfrm>
+          <a:prstGeom prst="bentConnector3">
+            <a:avLst/>
+          </a:prstGeom>
+        </p:spPr>
+        <p:style>
+          <a:lnRef idx="1">
+            <a:schemeClr val="accent1"/>
+          </a:lnRef>
+          <a:fillRef idx="0">
+            <a:schemeClr val="accent1"/>
+          </a:fillRef>
+          <a:effectRef idx="0">
+            <a:schemeClr val="accent1"/>
+          </a:effectRef>
+          <a:fontRef idx="minor">
+            <a:schemeClr val="tx1"/>
+          </a:fontRef>
+        </p:style>
+      </p:cxnSp>
+      <p:cxnSp>
+        <p:nvCxnSpPr>
+          <p:cNvPr id="9" name="Connecteur en angle 8"/>
+          <p:cNvCxnSpPr/>
+          <p:nvPr/>
+        </p:nvCxnSpPr>
+        <p:spPr>
+          <a:xfrm>
+            <a:off x="5436096" y="3701721"/>
+            <a:ext cx="914400" cy="914400"/>
+          </a:xfrm>
+          <a:prstGeom prst="bentConnector3">
+            <a:avLst/>
+          </a:prstGeom>
+          <a:ln>
+            <a:tailEnd type="arrow"/>
+          </a:ln>
+        </p:spPr>
+        <p:style>
+          <a:lnRef idx="1">
+            <a:schemeClr val="accent1"/>
+          </a:lnRef>
+          <a:fillRef idx="0">
+            <a:schemeClr val="accent1"/>
+          </a:fillRef>
+          <a:effectRef idx="0">
+            <a:schemeClr val="accent1"/>
+          </a:effectRef>
+          <a:fontRef idx="minor">
+            <a:schemeClr val="tx1"/>
+          </a:fontRef>
+        </p:style>
+      </p:cxnSp>
+      <p:sp>
+        <p:nvSpPr>
+          <p:cNvPr id="10" name="ZoneTexte 9"/>
+          <p:cNvSpPr txBox="1"/>
+          <p:nvPr/>
+        </p:nvSpPr>
+        <p:spPr>
+          <a:xfrm>
+            <a:off x="3570428" y="3356992"/>
+            <a:ext cx="1865668" cy="646331"/>
+          </a:xfrm>
+          <a:prstGeom prst="rect">
+            <a:avLst/>
+          </a:prstGeom>
+          <a:noFill/>
+        </p:spPr>
+        <p:txBody>
+          <a:bodyPr wrap="square" rtlCol="0">
+            <a:spAutoFit/>
+          </a:bodyPr>
+          <a:lstStyle/>
+          <a:p>
+            <a:r>
+              <a:rPr lang="fr-FR" dirty="0" err="1" smtClean="0"/>
+              <a:t>Users.Identifiant</a:t>
+            </a:r>
+            <a:r>
+              <a:rPr lang="fr-FR" dirty="0" smtClean="0"/>
+              <a:t>=</a:t>
+            </a:r>
+            <a:r>
+              <a:rPr lang="fr-FR" dirty="0" err="1" smtClean="0"/>
+              <a:t>Files.Identifiant</a:t>
+            </a:r>
+            <a:endParaRPr lang="fr-FR" dirty="0"/>
+          </a:p>
+        </p:txBody>
+      </p:sp>
+    </p:spTree>
+    <p:extLst>
+      <p:ext uri="{BB962C8B-B14F-4D97-AF65-F5344CB8AC3E}">
+        <p14:creationId xmlns:p14="http://schemas.microsoft.com/office/powerpoint/2010/main" val="478114217"/>
+      </p:ext>
+    </p:extLst>
+  </p:cSld>
+  <p:clrMapOvr>
+    <a:masterClrMapping/>
+  </p:clrMapOvr>
+</p:sld>
+</file>
+
+<file path=ppt/slides/slide9.xml><?xml version="1.0" encoding="utf-8"?>
+<p:sld xmlns:a="http://schemas.openxmlformats.org/drawingml/2006/main" xmlns:r="http://schemas.openxmlformats.org/officeDocument/2006/relationships" xmlns:p="http://schemas.openxmlformats.org/presentationml/2006/main">
+  <p:cSld>
+    <p:spTree>
+      <p:nvGrpSpPr>
+        <p:cNvPr id="1" name=""/>
+        <p:cNvGrpSpPr/>
+        <p:nvPr/>
+      </p:nvGrpSpPr>
+      <p:grpSpPr>
+        <a:xfrm>
+          <a:off x="0" y="0"/>
+          <a:ext cx="0" cy="0"/>
+          <a:chOff x="0" y="0"/>
+          <a:chExt cx="0" cy="0"/>
+        </a:xfrm>
+      </p:grpSpPr>
+      <p:sp>
+        <p:nvSpPr>
+          <p:cNvPr id="2" name="Titre 1"/>
+          <p:cNvSpPr>
+            <a:spLocks noGrp="1"/>
+          </p:cNvSpPr>
+          <p:nvPr>
+            <p:ph type="title"/>
+          </p:nvPr>
+        </p:nvSpPr>
+        <p:spPr/>
+        <p:txBody>
+          <a:bodyPr/>
+          <a:lstStyle/>
+          <a:p>
+            <a:r>
+              <a:rPr lang="fr-FR" dirty="0" smtClean="0"/>
+              <a:t>III – Démarche projet</a:t>
+            </a:r>
+            <a:endParaRPr lang="fr-FR" dirty="0"/>
+          </a:p>
+        </p:txBody>
+      </p:sp>
+      <p:sp>
+        <p:nvSpPr>
+          <p:cNvPr id="4" name="ZoneTexte 3"/>
+          <p:cNvSpPr txBox="1"/>
+          <p:nvPr/>
+        </p:nvSpPr>
+        <p:spPr>
+          <a:xfrm>
+            <a:off x="971600" y="1988840"/>
+            <a:ext cx="6696744" cy="1477328"/>
+          </a:xfrm>
+          <a:prstGeom prst="rect">
+            <a:avLst/>
+          </a:prstGeom>
+          <a:noFill/>
+        </p:spPr>
+        <p:txBody>
+          <a:bodyPr wrap="square" rtlCol="0">
+            <a:spAutoFit/>
+          </a:bodyPr>
+          <a:lstStyle/>
+          <a:p>
+            <a:pPr marL="342900" indent="-342900">
+              <a:buFontTx/>
+              <a:buAutoNum type="alphaLcParenR"/>
+            </a:pPr>
+            <a:r>
+              <a:rPr lang="fr-FR" dirty="0" smtClean="0"/>
+              <a:t>Organisation équipe </a:t>
+            </a:r>
+            <a:r>
+              <a:rPr lang="fr-FR" dirty="0" smtClean="0">
+                <a:sym typeface="Wingdings" panose="05000000000000000000" pitchFamily="2" charset="2"/>
+              </a:rPr>
+              <a:t> suivre </a:t>
+            </a:r>
+            <a:r>
+              <a:rPr lang="fr-FR" dirty="0">
+                <a:sym typeface="Wingdings" panose="05000000000000000000" pitchFamily="2" charset="2"/>
+              </a:rPr>
+              <a:t>les user </a:t>
+            </a:r>
+            <a:r>
+              <a:rPr lang="fr-FR" dirty="0" smtClean="0">
+                <a:sym typeface="Wingdings" panose="05000000000000000000" pitchFamily="2" charset="2"/>
+              </a:rPr>
+              <a:t>stories</a:t>
+            </a:r>
+            <a:endParaRPr lang="fr-FR" dirty="0" smtClean="0"/>
+          </a:p>
+          <a:p>
+            <a:pPr marL="342900" indent="-342900">
+              <a:buAutoNum type="alphaLcParenR"/>
+            </a:pPr>
+            <a:r>
+              <a:rPr lang="fr-FR" dirty="0" smtClean="0"/>
+              <a:t>Organisation projet </a:t>
+            </a:r>
+            <a:r>
+              <a:rPr lang="fr-FR" dirty="0" smtClean="0">
+                <a:sym typeface="Wingdings" panose="05000000000000000000" pitchFamily="2" charset="2"/>
+              </a:rPr>
+              <a:t> suivre les user stories</a:t>
+            </a:r>
+            <a:endParaRPr lang="fr-FR" dirty="0" smtClean="0"/>
+          </a:p>
+          <a:p>
+            <a:pPr marL="342900" indent="-342900">
+              <a:buAutoNum type="alphaLcParenR"/>
+            </a:pPr>
+            <a:r>
+              <a:rPr lang="fr-FR" dirty="0" smtClean="0"/>
+              <a:t>Les tâches</a:t>
+            </a:r>
+          </a:p>
+          <a:p>
+            <a:pPr marL="342900" indent="-342900">
+              <a:buAutoNum type="alphaLcParenR"/>
+            </a:pPr>
+            <a:r>
+              <a:rPr lang="fr-FR" dirty="0" smtClean="0"/>
+              <a:t>Les outils</a:t>
+            </a:r>
+          </a:p>
+          <a:p>
+            <a:pPr marL="342900" indent="-342900">
+              <a:buAutoNum type="alphaLcParenR"/>
+            </a:pPr>
+            <a:r>
+              <a:rPr lang="fr-FR" dirty="0" smtClean="0"/>
+              <a:t>Le temps</a:t>
+            </a:r>
+            <a:endParaRPr lang="fr-FR" dirty="0"/>
+          </a:p>
+        </p:txBody>
+      </p:sp>
+    </p:spTree>
+    <p:extLst>
+      <p:ext uri="{BB962C8B-B14F-4D97-AF65-F5344CB8AC3E}">
+        <p14:creationId xmlns:p14="http://schemas.microsoft.com/office/powerpoint/2010/main" val="3513345393"/>
       </p:ext>
     </p:extLst>
   </p:cSld>
